--- a/slides/Online/2020/04b - String Format.pptx
+++ b/slides/Online/2020/04b - String Format.pptx
@@ -219,7 +219,7 @@
           <a:p>
             <a:fld id="{4D7E51A5-B478-1E40-8CBB-0DAA8831E99D}" type="datetimeFigureOut">
               <a:rPr lang="en-US" smtClean="0"/>
-              <a:t>3/8/20</a:t>
+              <a:t>1/18/2022</a:t>
             </a:fld>
             <a:endParaRPr lang="en-US"/>
           </a:p>
@@ -384,7 +384,7 @@
           <a:p>
             <a:fld id="{D0ED587F-861E-6740-9643-E3DDAE89B8D6}" type="datetimeFigureOut">
               <a:rPr lang="en-US" smtClean="0"/>
-              <a:t>3/8/20</a:t>
+              <a:t>1/18/2022</a:t>
             </a:fld>
             <a:endParaRPr lang="en-US"/>
           </a:p>
@@ -6698,14 +6698,14 @@
   <p:clrMapOvr>
     <a:masterClrMapping/>
   </p:clrMapOvr>
-  <mc:AlternateContent xmlns:mc="http://schemas.openxmlformats.org/markup-compatibility/2006" xmlns:p14="http://schemas.microsoft.com/office/powerpoint/2010/main">
-    <mc:Choice Requires="p14">
-      <p:transition p14:dur="300">
+  <mc:AlternateContent xmlns:mc="http://schemas.openxmlformats.org/markup-compatibility/2006">
+    <mc:Choice xmlns:p14="http://schemas.microsoft.com/office/powerpoint/2010/main" Requires="p14">
+      <p:transition p14:dur="300" advTm="26667">
         <p:fade/>
       </p:transition>
     </mc:Choice>
-    <mc:Fallback xmlns="">
-      <p:transition>
+    <mc:Fallback>
+      <p:transition advTm="26667">
         <p:fade/>
       </p:transition>
     </mc:Fallback>
@@ -6833,7 +6833,7 @@
           <p:nvPr/>
         </p:nvPicPr>
         <p:blipFill>
-          <a:blip r:embed="rId2">
+          <a:blip r:embed="rId3">
             <a:extLst>
               <a:ext uri="{28A0092B-C50C-407E-A947-70E740481C1C}">
                 <a14:useLocalDpi xmlns:a14="http://schemas.microsoft.com/office/drawing/2010/main" val="0"/>
@@ -6880,7 +6880,7 @@
         <p:spPr>
           <a:xfrm>
             <a:off x="628072" y="3501480"/>
-            <a:ext cx="11627555" cy="3582263"/>
+            <a:ext cx="11627555" cy="2761590"/>
           </a:xfrm>
           <a:prstGeom prst="rect">
             <a:avLst/>
@@ -6919,6 +6919,298 @@
             </a:endParaRPr>
           </a:p>
           <a:p>
+            <a:r>
+              <a:rPr lang="en-US" dirty="0">
+                <a:solidFill>
+                  <a:srgbClr val="333333"/>
+                </a:solidFill>
+                <a:latin typeface="Consolas" panose="020B0609020204030204" pitchFamily="49" charset="0"/>
+              </a:rPr>
+              <a:t> 	 	</a:t>
+            </a:r>
+            <a:r>
+              <a:rPr lang="en-US" b="1" dirty="0">
+                <a:solidFill>
+                  <a:srgbClr val="073642"/>
+                </a:solidFill>
+                <a:latin typeface="Consolas" panose="020B0609020204030204" pitchFamily="49" charset="0"/>
+              </a:rPr>
+              <a:t>int</a:t>
+            </a:r>
+            <a:r>
+              <a:rPr lang="en-US" dirty="0">
+                <a:solidFill>
+                  <a:srgbClr val="333333"/>
+                </a:solidFill>
+                <a:latin typeface="Consolas" panose="020B0609020204030204" pitchFamily="49" charset="0"/>
+              </a:rPr>
+              <a:t> </a:t>
+            </a:r>
+            <a:r>
+              <a:rPr lang="en-US" dirty="0" err="1">
+                <a:solidFill>
+                  <a:srgbClr val="268BD2"/>
+                </a:solidFill>
+                <a:latin typeface="Consolas" panose="020B0609020204030204" pitchFamily="49" charset="0"/>
+              </a:rPr>
+              <a:t>aNumber</a:t>
+            </a:r>
+            <a:r>
+              <a:rPr lang="en-US" dirty="0">
+                <a:solidFill>
+                  <a:srgbClr val="333333"/>
+                </a:solidFill>
+                <a:latin typeface="Consolas" panose="020B0609020204030204" pitchFamily="49" charset="0"/>
+              </a:rPr>
+              <a:t> </a:t>
+            </a:r>
+            <a:r>
+              <a:rPr lang="en-US" dirty="0">
+                <a:solidFill>
+                  <a:srgbClr val="859900"/>
+                </a:solidFill>
+                <a:latin typeface="Consolas" panose="020B0609020204030204" pitchFamily="49" charset="0"/>
+              </a:rPr>
+              <a:t>=</a:t>
+            </a:r>
+            <a:r>
+              <a:rPr lang="en-US" dirty="0">
+                <a:solidFill>
+                  <a:srgbClr val="333333"/>
+                </a:solidFill>
+                <a:latin typeface="Consolas" panose="020B0609020204030204" pitchFamily="49" charset="0"/>
+              </a:rPr>
+              <a:t> </a:t>
+            </a:r>
+            <a:r>
+              <a:rPr lang="en-US" dirty="0">
+                <a:solidFill>
+                  <a:srgbClr val="D33682"/>
+                </a:solidFill>
+                <a:latin typeface="Consolas" panose="020B0609020204030204" pitchFamily="49" charset="0"/>
+              </a:rPr>
+              <a:t>42</a:t>
+            </a:r>
+            <a:r>
+              <a:rPr lang="en-US" dirty="0">
+                <a:solidFill>
+                  <a:srgbClr val="333333"/>
+                </a:solidFill>
+                <a:latin typeface="Consolas" panose="020B0609020204030204" pitchFamily="49" charset="0"/>
+              </a:rPr>
+              <a:t>;</a:t>
+            </a:r>
+          </a:p>
+          <a:p>
+            <a:r>
+              <a:rPr lang="en-US" b="1" dirty="0">
+                <a:solidFill>
+                  <a:srgbClr val="333333"/>
+                </a:solidFill>
+                <a:latin typeface="Consolas" panose="020B0609020204030204" pitchFamily="49" charset="0"/>
+              </a:rPr>
+              <a:t>		</a:t>
+            </a:r>
+            <a:r>
+              <a:rPr lang="en-US" b="1" dirty="0">
+                <a:solidFill>
+                  <a:srgbClr val="268BD2"/>
+                </a:solidFill>
+                <a:latin typeface="Consolas" panose="020B0609020204030204" pitchFamily="49" charset="0"/>
+              </a:rPr>
+              <a:t>String</a:t>
+            </a:r>
+            <a:r>
+              <a:rPr lang="en-US" dirty="0">
+                <a:solidFill>
+                  <a:srgbClr val="333333"/>
+                </a:solidFill>
+                <a:latin typeface="Consolas" panose="020B0609020204030204" pitchFamily="49" charset="0"/>
+              </a:rPr>
+              <a:t> </a:t>
+            </a:r>
+            <a:r>
+              <a:rPr lang="en-US" dirty="0">
+                <a:solidFill>
+                  <a:srgbClr val="268BD2"/>
+                </a:solidFill>
+                <a:latin typeface="Consolas" panose="020B0609020204030204" pitchFamily="49" charset="0"/>
+              </a:rPr>
+              <a:t>question</a:t>
+            </a:r>
+            <a:r>
+              <a:rPr lang="en-US" dirty="0">
+                <a:solidFill>
+                  <a:srgbClr val="333333"/>
+                </a:solidFill>
+                <a:latin typeface="Consolas" panose="020B0609020204030204" pitchFamily="49" charset="0"/>
+              </a:rPr>
+              <a:t> </a:t>
+            </a:r>
+            <a:r>
+              <a:rPr lang="en-US" dirty="0">
+                <a:solidFill>
+                  <a:srgbClr val="859900"/>
+                </a:solidFill>
+                <a:latin typeface="Consolas" panose="020B0609020204030204" pitchFamily="49" charset="0"/>
+              </a:rPr>
+              <a:t>=</a:t>
+            </a:r>
+            <a:r>
+              <a:rPr lang="en-US" dirty="0">
+                <a:solidFill>
+                  <a:srgbClr val="333333"/>
+                </a:solidFill>
+                <a:latin typeface="Consolas" panose="020B0609020204030204" pitchFamily="49" charset="0"/>
+              </a:rPr>
+              <a:t> </a:t>
+            </a:r>
+            <a:r>
+              <a:rPr lang="en-US" dirty="0">
+                <a:solidFill>
+                  <a:srgbClr val="2AA198"/>
+                </a:solidFill>
+                <a:latin typeface="Consolas" panose="020B0609020204030204" pitchFamily="49" charset="0"/>
+              </a:rPr>
+              <a:t>"The Answer To Life, The Universe And Everything"</a:t>
+            </a:r>
+            <a:r>
+              <a:rPr lang="en-US" dirty="0">
+                <a:solidFill>
+                  <a:srgbClr val="333333"/>
+                </a:solidFill>
+                <a:latin typeface="Consolas" panose="020B0609020204030204" pitchFamily="49" charset="0"/>
+              </a:rPr>
+              <a:t>;</a:t>
+            </a:r>
+          </a:p>
+          <a:p>
+            <a:r>
+              <a:rPr lang="en-US" dirty="0">
+                <a:solidFill>
+                  <a:srgbClr val="333333"/>
+                </a:solidFill>
+                <a:latin typeface="Consolas" panose="020B0609020204030204" pitchFamily="49" charset="0"/>
+              </a:rPr>
+              <a:t>		</a:t>
+            </a:r>
+            <a:r>
+              <a:rPr lang="en-US" dirty="0" err="1">
+                <a:solidFill>
+                  <a:srgbClr val="268BD2"/>
+                </a:solidFill>
+                <a:latin typeface="Consolas" panose="020B0609020204030204" pitchFamily="49" charset="0"/>
+              </a:rPr>
+              <a:t>System</a:t>
+            </a:r>
+            <a:r>
+              <a:rPr lang="en-US" dirty="0" err="1">
+                <a:solidFill>
+                  <a:srgbClr val="333333"/>
+                </a:solidFill>
+                <a:latin typeface="Consolas" panose="020B0609020204030204" pitchFamily="49" charset="0"/>
+              </a:rPr>
+              <a:t>.</a:t>
+            </a:r>
+            <a:r>
+              <a:rPr lang="en-US" dirty="0" err="1">
+                <a:solidFill>
+                  <a:srgbClr val="268BD2"/>
+                </a:solidFill>
+                <a:latin typeface="Consolas" panose="020B0609020204030204" pitchFamily="49" charset="0"/>
+              </a:rPr>
+              <a:t>out</a:t>
+            </a:r>
+            <a:r>
+              <a:rPr lang="en-US" dirty="0" err="1">
+                <a:solidFill>
+                  <a:srgbClr val="333333"/>
+                </a:solidFill>
+                <a:latin typeface="Consolas" panose="020B0609020204030204" pitchFamily="49" charset="0"/>
+              </a:rPr>
+              <a:t>.</a:t>
+            </a:r>
+            <a:r>
+              <a:rPr lang="en-US" dirty="0" err="1">
+                <a:solidFill>
+                  <a:srgbClr val="268BD2"/>
+                </a:solidFill>
+                <a:latin typeface="Consolas" panose="020B0609020204030204" pitchFamily="49" charset="0"/>
+              </a:rPr>
+              <a:t>println</a:t>
+            </a:r>
+            <a:r>
+              <a:rPr lang="en-US" dirty="0">
+                <a:solidFill>
+                  <a:srgbClr val="333333"/>
+                </a:solidFill>
+                <a:latin typeface="Consolas" panose="020B0609020204030204" pitchFamily="49" charset="0"/>
+              </a:rPr>
+              <a:t>(</a:t>
+            </a:r>
+            <a:r>
+              <a:rPr lang="en-US" dirty="0">
+                <a:solidFill>
+                  <a:srgbClr val="268BD2"/>
+                </a:solidFill>
+                <a:latin typeface="Consolas" panose="020B0609020204030204" pitchFamily="49" charset="0"/>
+              </a:rPr>
+              <a:t>question</a:t>
+            </a:r>
+            <a:r>
+              <a:rPr lang="en-US" dirty="0">
+                <a:solidFill>
+                  <a:srgbClr val="333333"/>
+                </a:solidFill>
+                <a:latin typeface="Consolas" panose="020B0609020204030204" pitchFamily="49" charset="0"/>
+              </a:rPr>
+              <a:t> </a:t>
+            </a:r>
+            <a:r>
+              <a:rPr lang="en-US" dirty="0">
+                <a:solidFill>
+                  <a:srgbClr val="859900"/>
+                </a:solidFill>
+                <a:latin typeface="Consolas" panose="020B0609020204030204" pitchFamily="49" charset="0"/>
+              </a:rPr>
+              <a:t>+</a:t>
+            </a:r>
+            <a:r>
+              <a:rPr lang="en-US" dirty="0">
+                <a:solidFill>
+                  <a:srgbClr val="333333"/>
+                </a:solidFill>
+                <a:latin typeface="Consolas" panose="020B0609020204030204" pitchFamily="49" charset="0"/>
+              </a:rPr>
+              <a:t> </a:t>
+            </a:r>
+            <a:r>
+              <a:rPr lang="en-US" dirty="0" err="1">
+                <a:solidFill>
+                  <a:srgbClr val="268BD2"/>
+                </a:solidFill>
+                <a:latin typeface="Consolas" panose="020B0609020204030204" pitchFamily="49" charset="0"/>
+              </a:rPr>
+              <a:t>aNumber</a:t>
+            </a:r>
+            <a:r>
+              <a:rPr lang="en-US" dirty="0">
+                <a:solidFill>
+                  <a:srgbClr val="333333"/>
+                </a:solidFill>
+                <a:latin typeface="Consolas" panose="020B0609020204030204" pitchFamily="49" charset="0"/>
+              </a:rPr>
+              <a:t>);</a:t>
+            </a:r>
+            <a:endParaRPr lang="en-US" dirty="0">
+              <a:solidFill>
+                <a:srgbClr val="000000"/>
+              </a:solidFill>
+              <a:latin typeface="Consolas" panose="020B0609020204030204" pitchFamily="49" charset="0"/>
+              <a:cs typeface="Consolas" panose="020B0609020204030204" pitchFamily="49" charset="0"/>
+            </a:endParaRPr>
+          </a:p>
+          <a:p>
             <a:pPr marL="914400">
               <a:lnSpc>
                 <a:spcPct val="150000"/>
@@ -6935,32 +7227,167 @@
                 <a:latin typeface="Consolas" panose="020B0609020204030204" pitchFamily="49" charset="0"/>
                 <a:cs typeface="Consolas" panose="020B0609020204030204" pitchFamily="49" charset="0"/>
               </a:rPr>
-              <a:t>int </a:t>
-            </a:r>
-            <a:r>
-              <a:rPr lang="en-US" dirty="0" err="1">
-                <a:solidFill>
-                  <a:srgbClr val="000000"/>
-                </a:solidFill>
-                <a:latin typeface="Consolas" panose="020B0609020204030204" pitchFamily="49" charset="0"/>
-                <a:cs typeface="Consolas" panose="020B0609020204030204" pitchFamily="49" charset="0"/>
-              </a:rPr>
-              <a:t>aNumber</a:t>
-            </a:r>
-            <a:r>
-              <a:rPr lang="en-US" dirty="0">
-                <a:solidFill>
-                  <a:srgbClr val="000000"/>
-                </a:solidFill>
-                <a:latin typeface="Consolas" panose="020B0609020204030204" pitchFamily="49" charset="0"/>
-                <a:cs typeface="Consolas" panose="020B0609020204030204" pitchFamily="49" charset="0"/>
-              </a:rPr>
-              <a:t> = 42;</a:t>
+              <a:t>Prints “The Answer To Life, The Universe And Everything42” .. whoops</a:t>
             </a:r>
             <a:endParaRPr lang="en-US" dirty="0">
               <a:latin typeface="Consolas" panose="020B0609020204030204" pitchFamily="49" charset="0"/>
               <a:cs typeface="Consolas" panose="020B0609020204030204" pitchFamily="49" charset="0"/>
             </a:endParaRPr>
+          </a:p>
+          <a:p>
+            <a:r>
+              <a:rPr lang="en-US" dirty="0">
+                <a:solidFill>
+                  <a:srgbClr val="333333"/>
+                </a:solidFill>
+                <a:latin typeface="Consolas" panose="020B0609020204030204" pitchFamily="49" charset="0"/>
+              </a:rPr>
+              <a:t> 		</a:t>
+            </a:r>
+            <a:r>
+              <a:rPr lang="en-US" dirty="0" err="1">
+                <a:solidFill>
+                  <a:srgbClr val="268BD2"/>
+                </a:solidFill>
+                <a:latin typeface="Consolas" panose="020B0609020204030204" pitchFamily="49" charset="0"/>
+              </a:rPr>
+              <a:t>System</a:t>
+            </a:r>
+            <a:r>
+              <a:rPr lang="en-US" dirty="0" err="1">
+                <a:solidFill>
+                  <a:srgbClr val="333333"/>
+                </a:solidFill>
+                <a:latin typeface="Consolas" panose="020B0609020204030204" pitchFamily="49" charset="0"/>
+              </a:rPr>
+              <a:t>.</a:t>
+            </a:r>
+            <a:r>
+              <a:rPr lang="en-US" dirty="0" err="1">
+                <a:solidFill>
+                  <a:srgbClr val="268BD2"/>
+                </a:solidFill>
+                <a:latin typeface="Consolas" panose="020B0609020204030204" pitchFamily="49" charset="0"/>
+              </a:rPr>
+              <a:t>out</a:t>
+            </a:r>
+            <a:r>
+              <a:rPr lang="en-US" dirty="0" err="1">
+                <a:solidFill>
+                  <a:srgbClr val="333333"/>
+                </a:solidFill>
+                <a:latin typeface="Consolas" panose="020B0609020204030204" pitchFamily="49" charset="0"/>
+              </a:rPr>
+              <a:t>.</a:t>
+            </a:r>
+            <a:r>
+              <a:rPr lang="en-US" dirty="0" err="1">
+                <a:solidFill>
+                  <a:srgbClr val="268BD2"/>
+                </a:solidFill>
+                <a:latin typeface="Consolas" panose="020B0609020204030204" pitchFamily="49" charset="0"/>
+              </a:rPr>
+              <a:t>println</a:t>
+            </a:r>
+            <a:r>
+              <a:rPr lang="en-US" dirty="0">
+                <a:solidFill>
+                  <a:srgbClr val="333333"/>
+                </a:solidFill>
+                <a:latin typeface="Consolas" panose="020B0609020204030204" pitchFamily="49" charset="0"/>
+              </a:rPr>
+              <a:t>(</a:t>
+            </a:r>
+            <a:r>
+              <a:rPr lang="en-US" dirty="0">
+                <a:solidFill>
+                  <a:srgbClr val="268BD2"/>
+                </a:solidFill>
+                <a:latin typeface="Consolas" panose="020B0609020204030204" pitchFamily="49" charset="0"/>
+              </a:rPr>
+              <a:t>question</a:t>
+            </a:r>
+            <a:r>
+              <a:rPr lang="en-US" dirty="0">
+                <a:solidFill>
+                  <a:srgbClr val="333333"/>
+                </a:solidFill>
+                <a:latin typeface="Consolas" panose="020B0609020204030204" pitchFamily="49" charset="0"/>
+              </a:rPr>
+              <a:t> </a:t>
+            </a:r>
+            <a:r>
+              <a:rPr lang="en-US" dirty="0">
+                <a:solidFill>
+                  <a:srgbClr val="859900"/>
+                </a:solidFill>
+                <a:latin typeface="Consolas" panose="020B0609020204030204" pitchFamily="49" charset="0"/>
+              </a:rPr>
+              <a:t>+</a:t>
+            </a:r>
+            <a:r>
+              <a:rPr lang="en-US" dirty="0">
+                <a:solidFill>
+                  <a:srgbClr val="333333"/>
+                </a:solidFill>
+                <a:latin typeface="Consolas" panose="020B0609020204030204" pitchFamily="49" charset="0"/>
+              </a:rPr>
+              <a:t> </a:t>
+            </a:r>
+            <a:r>
+              <a:rPr lang="en-US" dirty="0">
+                <a:solidFill>
+                  <a:srgbClr val="2AA198"/>
+                </a:solidFill>
+                <a:latin typeface="Consolas" panose="020B0609020204030204" pitchFamily="49" charset="0"/>
+              </a:rPr>
+              <a:t>"  is "</a:t>
+            </a:r>
+            <a:r>
+              <a:rPr lang="en-US" dirty="0">
+                <a:solidFill>
+                  <a:srgbClr val="333333"/>
+                </a:solidFill>
+                <a:latin typeface="Consolas" panose="020B0609020204030204" pitchFamily="49" charset="0"/>
+              </a:rPr>
+              <a:t> </a:t>
+            </a:r>
+            <a:r>
+              <a:rPr lang="en-US" dirty="0">
+                <a:solidFill>
+                  <a:srgbClr val="859900"/>
+                </a:solidFill>
+                <a:latin typeface="Consolas" panose="020B0609020204030204" pitchFamily="49" charset="0"/>
+              </a:rPr>
+              <a:t>+</a:t>
+            </a:r>
+            <a:r>
+              <a:rPr lang="en-US" dirty="0">
+                <a:solidFill>
+                  <a:srgbClr val="333333"/>
+                </a:solidFill>
+                <a:latin typeface="Consolas" panose="020B0609020204030204" pitchFamily="49" charset="0"/>
+              </a:rPr>
+              <a:t> </a:t>
+            </a:r>
+            <a:r>
+              <a:rPr lang="en-US" dirty="0" err="1">
+                <a:solidFill>
+                  <a:srgbClr val="268BD2"/>
+                </a:solidFill>
+                <a:latin typeface="Consolas" panose="020B0609020204030204" pitchFamily="49" charset="0"/>
+              </a:rPr>
+              <a:t>aNumber</a:t>
+            </a:r>
+            <a:r>
+              <a:rPr lang="en-US" dirty="0">
+                <a:solidFill>
+                  <a:srgbClr val="333333"/>
+                </a:solidFill>
+                <a:latin typeface="Consolas" panose="020B0609020204030204" pitchFamily="49" charset="0"/>
+              </a:rPr>
+              <a:t>);</a:t>
+            </a:r>
           </a:p>
           <a:p>
             <a:pPr marL="914400">
@@ -6979,172 +7406,19 @@
                 <a:latin typeface="Consolas" panose="020B0609020204030204" pitchFamily="49" charset="0"/>
                 <a:cs typeface="Consolas" panose="020B0609020204030204" pitchFamily="49" charset="0"/>
               </a:rPr>
-              <a:t>String question = “The Answer To Life, The Universe And Everything”;</a:t>
+              <a:t>Prints “The Answer To Life, The Universe And Everything is 42” </a:t>
             </a:r>
             <a:endParaRPr lang="en-US" dirty="0">
               <a:latin typeface="Consolas" panose="020B0609020204030204" pitchFamily="49" charset="0"/>
               <a:cs typeface="Consolas" panose="020B0609020204030204" pitchFamily="49" charset="0"/>
             </a:endParaRPr>
           </a:p>
-          <a:p>
-            <a:pPr marL="914400">
-              <a:lnSpc>
-                <a:spcPct val="150000"/>
-              </a:lnSpc>
-              <a:spcAft>
-                <a:spcPts val="400"/>
-              </a:spcAft>
-            </a:pPr>
-            <a:r>
-              <a:rPr lang="en-US" dirty="0" err="1">
-                <a:solidFill>
-                  <a:srgbClr val="000000"/>
-                </a:solidFill>
-                <a:latin typeface="Consolas" panose="020B0609020204030204" pitchFamily="49" charset="0"/>
-                <a:cs typeface="Consolas" panose="020B0609020204030204" pitchFamily="49" charset="0"/>
-              </a:rPr>
-              <a:t>System.out.println</a:t>
-            </a:r>
-            <a:r>
-              <a:rPr lang="en-US" dirty="0">
-                <a:solidFill>
-                  <a:srgbClr val="000000"/>
-                </a:solidFill>
-                <a:latin typeface="Consolas" panose="020B0609020204030204" pitchFamily="49" charset="0"/>
-                <a:cs typeface="Consolas" panose="020B0609020204030204" pitchFamily="49" charset="0"/>
-              </a:rPr>
-              <a:t>(question + </a:t>
-            </a:r>
-            <a:r>
-              <a:rPr lang="en-US" dirty="0" err="1">
-                <a:solidFill>
-                  <a:srgbClr val="000000"/>
-                </a:solidFill>
-                <a:latin typeface="Consolas" panose="020B0609020204030204" pitchFamily="49" charset="0"/>
-                <a:cs typeface="Consolas" panose="020B0609020204030204" pitchFamily="49" charset="0"/>
-              </a:rPr>
-              <a:t>aNumber</a:t>
-            </a:r>
-            <a:r>
-              <a:rPr lang="en-US" dirty="0">
-                <a:solidFill>
-                  <a:srgbClr val="000000"/>
-                </a:solidFill>
-                <a:latin typeface="Consolas" panose="020B0609020204030204" pitchFamily="49" charset="0"/>
-                <a:cs typeface="Consolas" panose="020B0609020204030204" pitchFamily="49" charset="0"/>
-              </a:rPr>
-              <a:t>);</a:t>
-            </a:r>
-            <a:endParaRPr lang="en-US" dirty="0">
-              <a:latin typeface="Consolas" panose="020B0609020204030204" pitchFamily="49" charset="0"/>
-              <a:cs typeface="Consolas" panose="020B0609020204030204" pitchFamily="49" charset="0"/>
-            </a:endParaRPr>
-          </a:p>
-          <a:p>
-            <a:pPr marL="914400">
-              <a:lnSpc>
-                <a:spcPct val="150000"/>
-              </a:lnSpc>
-              <a:spcAft>
-                <a:spcPts val="400"/>
-              </a:spcAft>
-            </a:pPr>
-            <a:r>
-              <a:rPr lang="en-US" dirty="0">
-                <a:solidFill>
-                  <a:srgbClr val="000000"/>
-                </a:solidFill>
-                <a:latin typeface="Consolas" panose="020B0609020204030204" pitchFamily="49" charset="0"/>
-                <a:cs typeface="Consolas" panose="020B0609020204030204" pitchFamily="49" charset="0"/>
-              </a:rPr>
-              <a:t>Prints “The Answer To Life, The Universe And Everything42” .. whoops</a:t>
-            </a:r>
-            <a:endParaRPr lang="en-US" dirty="0">
-              <a:latin typeface="Consolas" panose="020B0609020204030204" pitchFamily="49" charset="0"/>
-              <a:cs typeface="Consolas" panose="020B0609020204030204" pitchFamily="49" charset="0"/>
-            </a:endParaRPr>
-          </a:p>
-          <a:p>
-            <a:pPr marL="914400">
-              <a:lnSpc>
-                <a:spcPct val="150000"/>
-              </a:lnSpc>
-              <a:spcAft>
-                <a:spcPts val="400"/>
-              </a:spcAft>
-            </a:pPr>
-            <a:r>
-              <a:rPr lang="en-US" dirty="0" err="1">
-                <a:solidFill>
-                  <a:srgbClr val="000000"/>
-                </a:solidFill>
-                <a:latin typeface="Consolas" panose="020B0609020204030204" pitchFamily="49" charset="0"/>
-                <a:cs typeface="Consolas" panose="020B0609020204030204" pitchFamily="49" charset="0"/>
-              </a:rPr>
-              <a:t>System.out.println</a:t>
-            </a:r>
-            <a:r>
-              <a:rPr lang="en-US" dirty="0">
-                <a:solidFill>
-                  <a:srgbClr val="000000"/>
-                </a:solidFill>
-                <a:latin typeface="Consolas" panose="020B0609020204030204" pitchFamily="49" charset="0"/>
-                <a:cs typeface="Consolas" panose="020B0609020204030204" pitchFamily="49" charset="0"/>
-              </a:rPr>
-              <a:t>(question + “  is ” + </a:t>
-            </a:r>
-            <a:r>
-              <a:rPr lang="en-US" dirty="0" err="1">
-                <a:solidFill>
-                  <a:srgbClr val="000000"/>
-                </a:solidFill>
-                <a:latin typeface="Consolas" panose="020B0609020204030204" pitchFamily="49" charset="0"/>
-                <a:cs typeface="Consolas" panose="020B0609020204030204" pitchFamily="49" charset="0"/>
-              </a:rPr>
-              <a:t>aNumber</a:t>
-            </a:r>
-            <a:r>
-              <a:rPr lang="en-US" dirty="0">
-                <a:solidFill>
-                  <a:srgbClr val="000000"/>
-                </a:solidFill>
-                <a:latin typeface="Consolas" panose="020B0609020204030204" pitchFamily="49" charset="0"/>
-                <a:cs typeface="Consolas" panose="020B0609020204030204" pitchFamily="49" charset="0"/>
-              </a:rPr>
-              <a:t>);</a:t>
-            </a:r>
-            <a:endParaRPr lang="en-US" dirty="0">
-              <a:latin typeface="Consolas" panose="020B0609020204030204" pitchFamily="49" charset="0"/>
-              <a:cs typeface="Consolas" panose="020B0609020204030204" pitchFamily="49" charset="0"/>
-            </a:endParaRPr>
-          </a:p>
-          <a:p>
-            <a:pPr marL="914400">
-              <a:lnSpc>
-                <a:spcPct val="150000"/>
-              </a:lnSpc>
-              <a:spcAft>
-                <a:spcPts val="400"/>
-              </a:spcAft>
-            </a:pPr>
-            <a:r>
-              <a:rPr lang="en-US" dirty="0">
-                <a:solidFill>
-                  <a:srgbClr val="000000"/>
-                </a:solidFill>
-                <a:latin typeface="Consolas" panose="020B0609020204030204" pitchFamily="49" charset="0"/>
-                <a:cs typeface="Consolas" panose="020B0609020204030204" pitchFamily="49" charset="0"/>
-              </a:rPr>
-              <a:t>Prints “The Answer To Life, The Universe And Everything is 42”  &lt;- success!</a:t>
-            </a:r>
-            <a:endParaRPr lang="en-US" dirty="0">
-              <a:latin typeface="Consolas" panose="020B0609020204030204" pitchFamily="49" charset="0"/>
-              <a:cs typeface="Consolas" panose="020B0609020204030204" pitchFamily="49" charset="0"/>
-            </a:endParaRPr>
-          </a:p>
         </p:txBody>
       </p:sp>
     </p:spTree>
+    <p:custDataLst>
+      <p:tags r:id="rId1"/>
+    </p:custDataLst>
     <p:extLst>
       <p:ext uri="{BB962C8B-B14F-4D97-AF65-F5344CB8AC3E}">
         <p14:creationId xmlns:p14="http://schemas.microsoft.com/office/powerpoint/2010/main" val="866942736"/>
@@ -7154,14 +7428,14 @@
   <p:clrMapOvr>
     <a:masterClrMapping/>
   </p:clrMapOvr>
-  <mc:AlternateContent xmlns:mc="http://schemas.openxmlformats.org/markup-compatibility/2006" xmlns:p14="http://schemas.microsoft.com/office/powerpoint/2010/main">
-    <mc:Choice Requires="p14">
-      <p:transition p14:dur="300">
+  <mc:AlternateContent xmlns:mc="http://schemas.openxmlformats.org/markup-compatibility/2006">
+    <mc:Choice xmlns:p14="http://schemas.microsoft.com/office/powerpoint/2010/main" Requires="p14">
+      <p:transition p14:dur="300" advTm="132641">
         <p:fade/>
       </p:transition>
     </mc:Choice>
-    <mc:Fallback xmlns="">
-      <p:transition>
+    <mc:Fallback>
+      <p:transition advTm="132641">
         <p:fade/>
       </p:transition>
     </mc:Fallback>
@@ -7710,7 +7984,7 @@
         <p:spPr>
           <a:xfrm>
             <a:off x="628075" y="1776683"/>
-            <a:ext cx="12561453" cy="5061129"/>
+            <a:ext cx="12561453" cy="4122667"/>
           </a:xfrm>
         </p:spPr>
         <p:txBody>
@@ -7722,220 +7996,995 @@
               <a:rPr lang="en-US" dirty="0"/>
               <a:t>We know we can write Strings via Concatenation</a:t>
             </a:r>
-          </a:p>
-          <a:p>
-            <a:pPr lvl="1" fontAlgn="base"/>
-            <a:r>
-              <a:rPr lang="en-US" dirty="0">
-                <a:latin typeface="Consolas" panose="020B0609020204030204" pitchFamily="49" charset="0"/>
-                <a:cs typeface="Consolas" panose="020B0609020204030204" pitchFamily="49" charset="0"/>
-              </a:rPr>
-              <a:t>String </a:t>
-            </a:r>
-            <a:r>
-              <a:rPr lang="en-US" dirty="0" err="1">
-                <a:latin typeface="Consolas" panose="020B0609020204030204" pitchFamily="49" charset="0"/>
-                <a:cs typeface="Consolas" panose="020B0609020204030204" pitchFamily="49" charset="0"/>
-              </a:rPr>
-              <a:t>towelColor</a:t>
-            </a:r>
-            <a:r>
-              <a:rPr lang="en-US" dirty="0">
-                <a:latin typeface="Consolas" panose="020B0609020204030204" pitchFamily="49" charset="0"/>
-                <a:cs typeface="Consolas" panose="020B0609020204030204" pitchFamily="49" charset="0"/>
-              </a:rPr>
-              <a:t> = “pink”;</a:t>
-            </a:r>
-          </a:p>
-          <a:p>
-            <a:pPr lvl="1" fontAlgn="base"/>
-            <a:r>
-              <a:rPr lang="en-US" dirty="0">
-                <a:latin typeface="Consolas" panose="020B0609020204030204" pitchFamily="49" charset="0"/>
-                <a:cs typeface="Consolas" panose="020B0609020204030204" pitchFamily="49" charset="0"/>
-              </a:rPr>
-              <a:t>String </a:t>
-            </a:r>
-            <a:r>
-              <a:rPr lang="en-US" dirty="0" err="1">
-                <a:latin typeface="Consolas" panose="020B0609020204030204" pitchFamily="49" charset="0"/>
-                <a:cs typeface="Consolas" panose="020B0609020204030204" pitchFamily="49" charset="0"/>
-              </a:rPr>
-              <a:t>dontPanic</a:t>
-            </a:r>
-            <a:r>
-              <a:rPr lang="en-US" dirty="0">
-                <a:latin typeface="Consolas" panose="020B0609020204030204" pitchFamily="49" charset="0"/>
-                <a:cs typeface="Consolas" panose="020B0609020204030204" pitchFamily="49" charset="0"/>
-              </a:rPr>
-              <a:t> = “Don’t forget to bring your ” + </a:t>
-            </a:r>
-            <a:r>
-              <a:rPr lang="en-US" dirty="0" err="1">
-                <a:latin typeface="Consolas" panose="020B0609020204030204" pitchFamily="49" charset="0"/>
-                <a:cs typeface="Consolas" panose="020B0609020204030204" pitchFamily="49" charset="0"/>
-              </a:rPr>
-              <a:t>towelColor</a:t>
-            </a:r>
-            <a:r>
-              <a:rPr lang="en-US" dirty="0">
-                <a:latin typeface="Consolas" panose="020B0609020204030204" pitchFamily="49" charset="0"/>
-                <a:cs typeface="Consolas" panose="020B0609020204030204" pitchFamily="49" charset="0"/>
-              </a:rPr>
-              <a:t> + “ towel”;</a:t>
-            </a:r>
-          </a:p>
-          <a:p>
-            <a:pPr lvl="1" fontAlgn="base"/>
-            <a:r>
-              <a:rPr lang="en-US" dirty="0">
-                <a:latin typeface="Consolas" panose="020B0609020204030204" pitchFamily="49" charset="0"/>
-                <a:cs typeface="Consolas" panose="020B0609020204030204" pitchFamily="49" charset="0"/>
-              </a:rPr>
-              <a:t>String txt = “Don’t panic”; </a:t>
-            </a:r>
-          </a:p>
-          <a:p>
-            <a:pPr lvl="1" fontAlgn="base"/>
-            <a:r>
-              <a:rPr lang="en-US" dirty="0">
-                <a:latin typeface="Consolas" panose="020B0609020204030204" pitchFamily="49" charset="0"/>
-                <a:cs typeface="Consolas" panose="020B0609020204030204" pitchFamily="49" charset="0"/>
-              </a:rPr>
-              <a:t>String heading1  = “&lt;h1&gt;” + txt + “&lt;/h1&gt;”;</a:t>
-            </a:r>
-          </a:p>
-          <a:p>
-            <a:pPr fontAlgn="base"/>
             <a:br>
               <a:rPr lang="en-US" dirty="0"/>
             </a:br>
             <a:r>
+              <a:rPr lang="en-US" b="1" dirty="0">
+                <a:solidFill>
+                  <a:srgbClr val="268BD2"/>
+                </a:solidFill>
+                <a:effectLst/>
+                <a:latin typeface="Consolas" panose="020B0609020204030204" pitchFamily="49" charset="0"/>
+              </a:rPr>
+              <a:t>String</a:t>
+            </a:r>
+            <a:r>
+              <a:rPr lang="en-US" b="0" dirty="0">
+                <a:solidFill>
+                  <a:srgbClr val="333333"/>
+                </a:solidFill>
+                <a:effectLst/>
+                <a:latin typeface="Consolas" panose="020B0609020204030204" pitchFamily="49" charset="0"/>
+              </a:rPr>
+              <a:t> </a:t>
+            </a:r>
+            <a:r>
+              <a:rPr lang="en-US" b="0" dirty="0" err="1">
+                <a:solidFill>
+                  <a:srgbClr val="268BD2"/>
+                </a:solidFill>
+                <a:effectLst/>
+                <a:latin typeface="Consolas" panose="020B0609020204030204" pitchFamily="49" charset="0"/>
+              </a:rPr>
+              <a:t>towelColor</a:t>
+            </a:r>
+            <a:r>
+              <a:rPr lang="en-US" b="0" dirty="0">
+                <a:solidFill>
+                  <a:srgbClr val="333333"/>
+                </a:solidFill>
+                <a:effectLst/>
+                <a:latin typeface="Consolas" panose="020B0609020204030204" pitchFamily="49" charset="0"/>
+              </a:rPr>
+              <a:t> </a:t>
+            </a:r>
+            <a:r>
+              <a:rPr lang="en-US" b="0" dirty="0">
+                <a:solidFill>
+                  <a:srgbClr val="859900"/>
+                </a:solidFill>
+                <a:effectLst/>
+                <a:latin typeface="Consolas" panose="020B0609020204030204" pitchFamily="49" charset="0"/>
+              </a:rPr>
+              <a:t>=</a:t>
+            </a:r>
+            <a:r>
+              <a:rPr lang="en-US" b="0" dirty="0">
+                <a:solidFill>
+                  <a:srgbClr val="333333"/>
+                </a:solidFill>
+                <a:effectLst/>
+                <a:latin typeface="Consolas" panose="020B0609020204030204" pitchFamily="49" charset="0"/>
+              </a:rPr>
+              <a:t> </a:t>
+            </a:r>
+            <a:r>
+              <a:rPr lang="en-US" b="0" dirty="0">
+                <a:solidFill>
+                  <a:srgbClr val="2AA198"/>
+                </a:solidFill>
+                <a:effectLst/>
+                <a:latin typeface="Consolas" panose="020B0609020204030204" pitchFamily="49" charset="0"/>
+              </a:rPr>
+              <a:t>"pink"</a:t>
+            </a:r>
+            <a:r>
+              <a:rPr lang="en-US" b="0" dirty="0">
+                <a:solidFill>
+                  <a:srgbClr val="333333"/>
+                </a:solidFill>
+                <a:effectLst/>
+                <a:latin typeface="Consolas" panose="020B0609020204030204" pitchFamily="49" charset="0"/>
+              </a:rPr>
+              <a:t>;</a:t>
+            </a:r>
+            <a:br>
+              <a:rPr lang="en-US" b="0" dirty="0">
+                <a:solidFill>
+                  <a:srgbClr val="333333"/>
+                </a:solidFill>
+                <a:effectLst/>
+                <a:latin typeface="Consolas" panose="020B0609020204030204" pitchFamily="49" charset="0"/>
+              </a:rPr>
+            </a:br>
+            <a:r>
+              <a:rPr lang="en-US" b="1" dirty="0">
+                <a:solidFill>
+                  <a:srgbClr val="268BD2"/>
+                </a:solidFill>
+                <a:effectLst/>
+                <a:latin typeface="Consolas" panose="020B0609020204030204" pitchFamily="49" charset="0"/>
+              </a:rPr>
+              <a:t>String</a:t>
+            </a:r>
+            <a:r>
+              <a:rPr lang="en-US" b="0" dirty="0">
+                <a:solidFill>
+                  <a:srgbClr val="333333"/>
+                </a:solidFill>
+                <a:effectLst/>
+                <a:latin typeface="Consolas" panose="020B0609020204030204" pitchFamily="49" charset="0"/>
+              </a:rPr>
+              <a:t> </a:t>
+            </a:r>
+            <a:r>
+              <a:rPr lang="en-US" b="0" dirty="0" err="1">
+                <a:solidFill>
+                  <a:srgbClr val="268BD2"/>
+                </a:solidFill>
+                <a:effectLst/>
+                <a:latin typeface="Consolas" panose="020B0609020204030204" pitchFamily="49" charset="0"/>
+              </a:rPr>
+              <a:t>dontPanic</a:t>
+            </a:r>
+            <a:r>
+              <a:rPr lang="en-US" b="0" dirty="0">
+                <a:solidFill>
+                  <a:srgbClr val="333333"/>
+                </a:solidFill>
+                <a:effectLst/>
+                <a:latin typeface="Consolas" panose="020B0609020204030204" pitchFamily="49" charset="0"/>
+              </a:rPr>
+              <a:t> </a:t>
+            </a:r>
+            <a:r>
+              <a:rPr lang="en-US" b="0" dirty="0">
+                <a:solidFill>
+                  <a:srgbClr val="859900"/>
+                </a:solidFill>
+                <a:effectLst/>
+                <a:latin typeface="Consolas" panose="020B0609020204030204" pitchFamily="49" charset="0"/>
+              </a:rPr>
+              <a:t>=</a:t>
+            </a:r>
+            <a:r>
+              <a:rPr lang="en-US" b="0" dirty="0">
+                <a:solidFill>
+                  <a:srgbClr val="333333"/>
+                </a:solidFill>
+                <a:effectLst/>
+                <a:latin typeface="Consolas" panose="020B0609020204030204" pitchFamily="49" charset="0"/>
+              </a:rPr>
+              <a:t> </a:t>
+            </a:r>
+            <a:r>
+              <a:rPr lang="en-US" b="0" dirty="0">
+                <a:solidFill>
+                  <a:srgbClr val="2AA198"/>
+                </a:solidFill>
+                <a:effectLst/>
+                <a:latin typeface="Consolas" panose="020B0609020204030204" pitchFamily="49" charset="0"/>
+              </a:rPr>
+              <a:t>"Don't forget to bring your "</a:t>
+            </a:r>
+            <a:r>
+              <a:rPr lang="en-US" b="0" dirty="0">
+                <a:solidFill>
+                  <a:srgbClr val="333333"/>
+                </a:solidFill>
+                <a:effectLst/>
+                <a:latin typeface="Consolas" panose="020B0609020204030204" pitchFamily="49" charset="0"/>
+              </a:rPr>
+              <a:t> </a:t>
+            </a:r>
+            <a:r>
+              <a:rPr lang="en-US" b="0" dirty="0">
+                <a:solidFill>
+                  <a:srgbClr val="859900"/>
+                </a:solidFill>
+                <a:effectLst/>
+                <a:latin typeface="Consolas" panose="020B0609020204030204" pitchFamily="49" charset="0"/>
+              </a:rPr>
+              <a:t>+</a:t>
+            </a:r>
+            <a:r>
+              <a:rPr lang="en-US" b="0" dirty="0">
+                <a:solidFill>
+                  <a:srgbClr val="333333"/>
+                </a:solidFill>
+                <a:effectLst/>
+                <a:latin typeface="Consolas" panose="020B0609020204030204" pitchFamily="49" charset="0"/>
+              </a:rPr>
+              <a:t> </a:t>
+            </a:r>
+            <a:r>
+              <a:rPr lang="en-US" b="0" dirty="0" err="1">
+                <a:solidFill>
+                  <a:srgbClr val="268BD2"/>
+                </a:solidFill>
+                <a:effectLst/>
+                <a:latin typeface="Consolas" panose="020B0609020204030204" pitchFamily="49" charset="0"/>
+              </a:rPr>
+              <a:t>towelColor</a:t>
+            </a:r>
+            <a:r>
+              <a:rPr lang="en-US" b="0" dirty="0">
+                <a:solidFill>
+                  <a:srgbClr val="333333"/>
+                </a:solidFill>
+                <a:effectLst/>
+                <a:latin typeface="Consolas" panose="020B0609020204030204" pitchFamily="49" charset="0"/>
+              </a:rPr>
+              <a:t> </a:t>
+            </a:r>
+            <a:r>
+              <a:rPr lang="en-US" b="0" dirty="0">
+                <a:solidFill>
+                  <a:srgbClr val="859900"/>
+                </a:solidFill>
+                <a:effectLst/>
+                <a:latin typeface="Consolas" panose="020B0609020204030204" pitchFamily="49" charset="0"/>
+              </a:rPr>
+              <a:t>+</a:t>
+            </a:r>
+            <a:r>
+              <a:rPr lang="en-US" b="0" dirty="0">
+                <a:solidFill>
+                  <a:srgbClr val="333333"/>
+                </a:solidFill>
+                <a:effectLst/>
+                <a:latin typeface="Consolas" panose="020B0609020204030204" pitchFamily="49" charset="0"/>
+              </a:rPr>
+              <a:t> </a:t>
+            </a:r>
+            <a:r>
+              <a:rPr lang="en-US" b="0" dirty="0">
+                <a:solidFill>
+                  <a:srgbClr val="2AA198"/>
+                </a:solidFill>
+                <a:effectLst/>
+                <a:latin typeface="Consolas" panose="020B0609020204030204" pitchFamily="49" charset="0"/>
+              </a:rPr>
+              <a:t>" towel"</a:t>
+            </a:r>
+            <a:r>
+              <a:rPr lang="en-US" b="0" dirty="0">
+                <a:solidFill>
+                  <a:srgbClr val="333333"/>
+                </a:solidFill>
+                <a:effectLst/>
+                <a:latin typeface="Consolas" panose="020B0609020204030204" pitchFamily="49" charset="0"/>
+              </a:rPr>
+              <a:t>;</a:t>
+            </a:r>
+            <a:br>
+              <a:rPr lang="en-US" b="0" dirty="0">
+                <a:solidFill>
+                  <a:srgbClr val="333333"/>
+                </a:solidFill>
+                <a:effectLst/>
+                <a:latin typeface="Consolas" panose="020B0609020204030204" pitchFamily="49" charset="0"/>
+              </a:rPr>
+            </a:br>
+            <a:r>
+              <a:rPr lang="en-US" b="1" dirty="0">
+                <a:solidFill>
+                  <a:srgbClr val="268BD2"/>
+                </a:solidFill>
+                <a:effectLst/>
+                <a:latin typeface="Consolas" panose="020B0609020204030204" pitchFamily="49" charset="0"/>
+              </a:rPr>
+              <a:t>String</a:t>
+            </a:r>
+            <a:r>
+              <a:rPr lang="en-US" b="0" dirty="0">
+                <a:solidFill>
+                  <a:srgbClr val="333333"/>
+                </a:solidFill>
+                <a:effectLst/>
+                <a:latin typeface="Consolas" panose="020B0609020204030204" pitchFamily="49" charset="0"/>
+              </a:rPr>
+              <a:t> </a:t>
+            </a:r>
+            <a:r>
+              <a:rPr lang="en-US" b="0" dirty="0">
+                <a:solidFill>
+                  <a:srgbClr val="268BD2"/>
+                </a:solidFill>
+                <a:effectLst/>
+                <a:latin typeface="Consolas" panose="020B0609020204030204" pitchFamily="49" charset="0"/>
+              </a:rPr>
+              <a:t>txt</a:t>
+            </a:r>
+            <a:r>
+              <a:rPr lang="en-US" b="0" dirty="0">
+                <a:solidFill>
+                  <a:srgbClr val="333333"/>
+                </a:solidFill>
+                <a:effectLst/>
+                <a:latin typeface="Consolas" panose="020B0609020204030204" pitchFamily="49" charset="0"/>
+              </a:rPr>
+              <a:t> </a:t>
+            </a:r>
+            <a:r>
+              <a:rPr lang="en-US" b="0" dirty="0">
+                <a:solidFill>
+                  <a:srgbClr val="859900"/>
+                </a:solidFill>
+                <a:effectLst/>
+                <a:latin typeface="Consolas" panose="020B0609020204030204" pitchFamily="49" charset="0"/>
+              </a:rPr>
+              <a:t>=</a:t>
+            </a:r>
+            <a:r>
+              <a:rPr lang="en-US" b="0" dirty="0">
+                <a:solidFill>
+                  <a:srgbClr val="333333"/>
+                </a:solidFill>
+                <a:effectLst/>
+                <a:latin typeface="Consolas" panose="020B0609020204030204" pitchFamily="49" charset="0"/>
+              </a:rPr>
+              <a:t> </a:t>
+            </a:r>
+            <a:r>
+              <a:rPr lang="en-US" b="0" dirty="0">
+                <a:solidFill>
+                  <a:srgbClr val="2AA198"/>
+                </a:solidFill>
+                <a:effectLst/>
+                <a:latin typeface="Consolas" panose="020B0609020204030204" pitchFamily="49" charset="0"/>
+              </a:rPr>
+              <a:t>"Don't panic"</a:t>
+            </a:r>
+            <a:r>
+              <a:rPr lang="en-US" b="0" dirty="0">
+                <a:solidFill>
+                  <a:srgbClr val="333333"/>
+                </a:solidFill>
+                <a:effectLst/>
+                <a:latin typeface="Consolas" panose="020B0609020204030204" pitchFamily="49" charset="0"/>
+              </a:rPr>
+              <a:t>;</a:t>
+            </a:r>
+            <a:br>
+              <a:rPr lang="en-US" b="0" dirty="0">
+                <a:solidFill>
+                  <a:srgbClr val="333333"/>
+                </a:solidFill>
+                <a:effectLst/>
+                <a:latin typeface="Consolas" panose="020B0609020204030204" pitchFamily="49" charset="0"/>
+              </a:rPr>
+            </a:br>
+            <a:r>
+              <a:rPr lang="en-US" b="1" dirty="0">
+                <a:solidFill>
+                  <a:srgbClr val="268BD2"/>
+                </a:solidFill>
+                <a:effectLst/>
+                <a:latin typeface="Consolas" panose="020B0609020204030204" pitchFamily="49" charset="0"/>
+              </a:rPr>
+              <a:t>String</a:t>
+            </a:r>
+            <a:r>
+              <a:rPr lang="en-US" b="0" dirty="0">
+                <a:solidFill>
+                  <a:srgbClr val="333333"/>
+                </a:solidFill>
+                <a:effectLst/>
+                <a:latin typeface="Consolas" panose="020B0609020204030204" pitchFamily="49" charset="0"/>
+              </a:rPr>
+              <a:t> </a:t>
+            </a:r>
+            <a:r>
+              <a:rPr lang="en-US" b="0" dirty="0">
+                <a:solidFill>
+                  <a:srgbClr val="268BD2"/>
+                </a:solidFill>
+                <a:effectLst/>
+                <a:latin typeface="Consolas" panose="020B0609020204030204" pitchFamily="49" charset="0"/>
+              </a:rPr>
+              <a:t>heading1</a:t>
+            </a:r>
+            <a:r>
+              <a:rPr lang="en-US" b="0" dirty="0">
+                <a:solidFill>
+                  <a:srgbClr val="333333"/>
+                </a:solidFill>
+                <a:effectLst/>
+                <a:latin typeface="Consolas" panose="020B0609020204030204" pitchFamily="49" charset="0"/>
+              </a:rPr>
+              <a:t>  </a:t>
+            </a:r>
+            <a:r>
+              <a:rPr lang="en-US" b="0" dirty="0">
+                <a:solidFill>
+                  <a:srgbClr val="859900"/>
+                </a:solidFill>
+                <a:effectLst/>
+                <a:latin typeface="Consolas" panose="020B0609020204030204" pitchFamily="49" charset="0"/>
+              </a:rPr>
+              <a:t>=</a:t>
+            </a:r>
+            <a:r>
+              <a:rPr lang="en-US" b="0" dirty="0">
+                <a:solidFill>
+                  <a:srgbClr val="333333"/>
+                </a:solidFill>
+                <a:effectLst/>
+                <a:latin typeface="Consolas" panose="020B0609020204030204" pitchFamily="49" charset="0"/>
+              </a:rPr>
+              <a:t> </a:t>
+            </a:r>
+            <a:r>
+              <a:rPr lang="en-US" b="0" dirty="0">
+                <a:solidFill>
+                  <a:srgbClr val="2AA198"/>
+                </a:solidFill>
+                <a:effectLst/>
+                <a:latin typeface="Consolas" panose="020B0609020204030204" pitchFamily="49" charset="0"/>
+              </a:rPr>
+              <a:t>"&lt;h1&gt;"</a:t>
+            </a:r>
+            <a:r>
+              <a:rPr lang="en-US" b="0" dirty="0">
+                <a:solidFill>
+                  <a:srgbClr val="333333"/>
+                </a:solidFill>
+                <a:effectLst/>
+                <a:latin typeface="Consolas" panose="020B0609020204030204" pitchFamily="49" charset="0"/>
+              </a:rPr>
+              <a:t> </a:t>
+            </a:r>
+            <a:r>
+              <a:rPr lang="en-US" b="0" dirty="0">
+                <a:solidFill>
+                  <a:srgbClr val="859900"/>
+                </a:solidFill>
+                <a:effectLst/>
+                <a:latin typeface="Consolas" panose="020B0609020204030204" pitchFamily="49" charset="0"/>
+              </a:rPr>
+              <a:t>+</a:t>
+            </a:r>
+            <a:r>
+              <a:rPr lang="en-US" b="0" dirty="0">
+                <a:solidFill>
+                  <a:srgbClr val="333333"/>
+                </a:solidFill>
+                <a:effectLst/>
+                <a:latin typeface="Consolas" panose="020B0609020204030204" pitchFamily="49" charset="0"/>
+              </a:rPr>
+              <a:t> </a:t>
+            </a:r>
+            <a:r>
+              <a:rPr lang="en-US" b="0" dirty="0">
+                <a:solidFill>
+                  <a:srgbClr val="268BD2"/>
+                </a:solidFill>
+                <a:effectLst/>
+                <a:latin typeface="Consolas" panose="020B0609020204030204" pitchFamily="49" charset="0"/>
+              </a:rPr>
+              <a:t>txt</a:t>
+            </a:r>
+            <a:r>
+              <a:rPr lang="en-US" b="0" dirty="0">
+                <a:solidFill>
+                  <a:srgbClr val="333333"/>
+                </a:solidFill>
+                <a:effectLst/>
+                <a:latin typeface="Consolas" panose="020B0609020204030204" pitchFamily="49" charset="0"/>
+              </a:rPr>
+              <a:t> </a:t>
+            </a:r>
+            <a:r>
+              <a:rPr lang="en-US" b="0" dirty="0">
+                <a:solidFill>
+                  <a:srgbClr val="859900"/>
+                </a:solidFill>
+                <a:effectLst/>
+                <a:latin typeface="Consolas" panose="020B0609020204030204" pitchFamily="49" charset="0"/>
+              </a:rPr>
+              <a:t>+</a:t>
+            </a:r>
+            <a:r>
+              <a:rPr lang="en-US" b="0" dirty="0">
+                <a:solidFill>
+                  <a:srgbClr val="333333"/>
+                </a:solidFill>
+                <a:effectLst/>
+                <a:latin typeface="Consolas" panose="020B0609020204030204" pitchFamily="49" charset="0"/>
+              </a:rPr>
+              <a:t> </a:t>
+            </a:r>
+            <a:r>
+              <a:rPr lang="en-US" b="0" dirty="0">
+                <a:solidFill>
+                  <a:srgbClr val="2AA198"/>
+                </a:solidFill>
+                <a:effectLst/>
+                <a:latin typeface="Consolas" panose="020B0609020204030204" pitchFamily="49" charset="0"/>
+              </a:rPr>
+              <a:t>"&lt;/h1&gt;"</a:t>
+            </a:r>
+            <a:r>
+              <a:rPr lang="en-US" b="0" dirty="0">
+                <a:solidFill>
+                  <a:srgbClr val="333333"/>
+                </a:solidFill>
+                <a:effectLst/>
+                <a:latin typeface="Consolas" panose="020B0609020204030204" pitchFamily="49" charset="0"/>
+              </a:rPr>
+              <a:t>;</a:t>
+            </a:r>
+          </a:p>
+          <a:p>
+            <a:pPr fontAlgn="base"/>
+            <a:r>
               <a:rPr lang="en-US" dirty="0"/>
               <a:t>However, that can be awkward - introducing </a:t>
             </a:r>
             <a:r>
               <a:rPr lang="en-US" b="1" dirty="0" err="1"/>
               <a:t>String.format</a:t>
-            </a:r>
-            <a:endParaRPr lang="en-US" dirty="0"/>
-          </a:p>
-          <a:p>
-            <a:pPr lvl="1" fontAlgn="base"/>
-            <a:r>
-              <a:rPr lang="en-US" dirty="0">
-                <a:latin typeface="Consolas" panose="020B0609020204030204" pitchFamily="49" charset="0"/>
-                <a:cs typeface="Consolas" panose="020B0609020204030204" pitchFamily="49" charset="0"/>
-              </a:rPr>
-              <a:t>String </a:t>
-            </a:r>
-            <a:r>
-              <a:rPr lang="en-US" dirty="0" err="1">
-                <a:latin typeface="Consolas" panose="020B0609020204030204" pitchFamily="49" charset="0"/>
-                <a:cs typeface="Consolas" panose="020B0609020204030204" pitchFamily="49" charset="0"/>
-              </a:rPr>
-              <a:t>towelColor</a:t>
-            </a:r>
-            <a:r>
-              <a:rPr lang="en-US" dirty="0">
-                <a:latin typeface="Consolas" panose="020B0609020204030204" pitchFamily="49" charset="0"/>
-                <a:cs typeface="Consolas" panose="020B0609020204030204" pitchFamily="49" charset="0"/>
-              </a:rPr>
-              <a:t> = “pink”;</a:t>
-            </a:r>
-          </a:p>
-          <a:p>
-            <a:pPr lvl="1" fontAlgn="base"/>
-            <a:r>
-              <a:rPr lang="en-US" dirty="0">
-                <a:latin typeface="Consolas" panose="020B0609020204030204" pitchFamily="49" charset="0"/>
-                <a:cs typeface="Consolas" panose="020B0609020204030204" pitchFamily="49" charset="0"/>
-              </a:rPr>
-              <a:t>String </a:t>
-            </a:r>
-            <a:r>
-              <a:rPr lang="en-US" dirty="0" err="1">
-                <a:latin typeface="Consolas" panose="020B0609020204030204" pitchFamily="49" charset="0"/>
-                <a:cs typeface="Consolas" panose="020B0609020204030204" pitchFamily="49" charset="0"/>
-              </a:rPr>
-              <a:t>dontPanic</a:t>
-            </a:r>
-            <a:r>
-              <a:rPr lang="en-US" dirty="0">
-                <a:latin typeface="Consolas" panose="020B0609020204030204" pitchFamily="49" charset="0"/>
-                <a:cs typeface="Consolas" panose="020B0609020204030204" pitchFamily="49" charset="0"/>
-              </a:rPr>
-              <a:t> =  </a:t>
-            </a:r>
-            <a:r>
-              <a:rPr lang="en-US" dirty="0" err="1">
-                <a:latin typeface="Consolas" panose="020B0609020204030204" pitchFamily="49" charset="0"/>
-                <a:cs typeface="Consolas" panose="020B0609020204030204" pitchFamily="49" charset="0"/>
-              </a:rPr>
-              <a:t>String.format</a:t>
-            </a:r>
-            <a:r>
-              <a:rPr lang="en-US" dirty="0">
-                <a:latin typeface="Consolas" panose="020B0609020204030204" pitchFamily="49" charset="0"/>
-                <a:cs typeface="Consolas" panose="020B0609020204030204" pitchFamily="49" charset="0"/>
-              </a:rPr>
-              <a:t>(“Don’t forget to bring your %s towel”, </a:t>
-            </a:r>
-            <a:r>
-              <a:rPr lang="en-US" dirty="0" err="1">
-                <a:latin typeface="Consolas" panose="020B0609020204030204" pitchFamily="49" charset="0"/>
-                <a:cs typeface="Consolas" panose="020B0609020204030204" pitchFamily="49" charset="0"/>
-              </a:rPr>
-              <a:t>towelColor</a:t>
-            </a:r>
-            <a:r>
-              <a:rPr lang="en-US" dirty="0">
-                <a:latin typeface="Consolas" panose="020B0609020204030204" pitchFamily="49" charset="0"/>
-                <a:cs typeface="Consolas" panose="020B0609020204030204" pitchFamily="49" charset="0"/>
-              </a:rPr>
-              <a:t>);</a:t>
-            </a:r>
-          </a:p>
-          <a:p>
-            <a:pPr lvl="1" fontAlgn="base"/>
-            <a:r>
-              <a:rPr lang="en-US" dirty="0">
-                <a:latin typeface="Consolas" panose="020B0609020204030204" pitchFamily="49" charset="0"/>
-                <a:cs typeface="Consolas" panose="020B0609020204030204" pitchFamily="49" charset="0"/>
-              </a:rPr>
-              <a:t>String txt = “Don’t panic”; </a:t>
-            </a:r>
-          </a:p>
-          <a:p>
-            <a:pPr lvl="1" fontAlgn="base"/>
-            <a:r>
-              <a:rPr lang="en-US" dirty="0">
-                <a:latin typeface="Consolas" panose="020B0609020204030204" pitchFamily="49" charset="0"/>
-                <a:cs typeface="Consolas" panose="020B0609020204030204" pitchFamily="49" charset="0"/>
-              </a:rPr>
-              <a:t>String heading1  = </a:t>
-            </a:r>
-            <a:r>
-              <a:rPr lang="en-US" dirty="0" err="1">
-                <a:latin typeface="Consolas" panose="020B0609020204030204" pitchFamily="49" charset="0"/>
-                <a:cs typeface="Consolas" panose="020B0609020204030204" pitchFamily="49" charset="0"/>
-              </a:rPr>
-              <a:t>String.format</a:t>
-            </a:r>
-            <a:r>
-              <a:rPr lang="en-US" dirty="0">
-                <a:latin typeface="Consolas" panose="020B0609020204030204" pitchFamily="49" charset="0"/>
-                <a:cs typeface="Consolas" panose="020B0609020204030204" pitchFamily="49" charset="0"/>
-              </a:rPr>
-              <a:t>(“&lt;h1&gt;%s&lt;/h1&gt;”, txt);    </a:t>
-            </a:r>
-            <a:r>
-              <a:rPr lang="en-US" dirty="0"/>
-              <a:t> </a:t>
             </a:r>
             <a:br>
               <a:rPr lang="en-US" dirty="0"/>
             </a:br>
+            <a:r>
+              <a:rPr lang="en-US" b="1" dirty="0">
+                <a:solidFill>
+                  <a:srgbClr val="268BD2"/>
+                </a:solidFill>
+                <a:effectLst/>
+                <a:latin typeface="Consolas" panose="020B0609020204030204" pitchFamily="49" charset="0"/>
+              </a:rPr>
+              <a:t>String</a:t>
+            </a:r>
+            <a:r>
+              <a:rPr lang="en-US" b="0" dirty="0">
+                <a:solidFill>
+                  <a:srgbClr val="333333"/>
+                </a:solidFill>
+                <a:effectLst/>
+                <a:latin typeface="Consolas" panose="020B0609020204030204" pitchFamily="49" charset="0"/>
+              </a:rPr>
+              <a:t> </a:t>
+            </a:r>
+            <a:r>
+              <a:rPr lang="en-US" b="0" dirty="0" err="1">
+                <a:solidFill>
+                  <a:srgbClr val="268BD2"/>
+                </a:solidFill>
+                <a:effectLst/>
+                <a:latin typeface="Consolas" panose="020B0609020204030204" pitchFamily="49" charset="0"/>
+              </a:rPr>
+              <a:t>towelColor</a:t>
+            </a:r>
+            <a:r>
+              <a:rPr lang="en-US" b="0" dirty="0">
+                <a:solidFill>
+                  <a:srgbClr val="333333"/>
+                </a:solidFill>
+                <a:effectLst/>
+                <a:latin typeface="Consolas" panose="020B0609020204030204" pitchFamily="49" charset="0"/>
+              </a:rPr>
+              <a:t> </a:t>
+            </a:r>
+            <a:r>
+              <a:rPr lang="en-US" b="0" dirty="0">
+                <a:solidFill>
+                  <a:srgbClr val="859900"/>
+                </a:solidFill>
+                <a:effectLst/>
+                <a:latin typeface="Consolas" panose="020B0609020204030204" pitchFamily="49" charset="0"/>
+              </a:rPr>
+              <a:t>=</a:t>
+            </a:r>
+            <a:r>
+              <a:rPr lang="en-US" b="0" dirty="0">
+                <a:solidFill>
+                  <a:srgbClr val="333333"/>
+                </a:solidFill>
+                <a:effectLst/>
+                <a:latin typeface="Consolas" panose="020B0609020204030204" pitchFamily="49" charset="0"/>
+              </a:rPr>
+              <a:t> </a:t>
+            </a:r>
+            <a:r>
+              <a:rPr lang="en-US" b="0" dirty="0">
+                <a:solidFill>
+                  <a:srgbClr val="2AA198"/>
+                </a:solidFill>
+                <a:effectLst/>
+                <a:latin typeface="Consolas" panose="020B0609020204030204" pitchFamily="49" charset="0"/>
+              </a:rPr>
+              <a:t>"pink"</a:t>
+            </a:r>
+            <a:r>
+              <a:rPr lang="en-US" b="0" dirty="0">
+                <a:solidFill>
+                  <a:srgbClr val="333333"/>
+                </a:solidFill>
+                <a:effectLst/>
+                <a:latin typeface="Consolas" panose="020B0609020204030204" pitchFamily="49" charset="0"/>
+              </a:rPr>
+              <a:t>;</a:t>
+            </a:r>
+            <a:br>
+              <a:rPr lang="en-US" b="0" dirty="0">
+                <a:solidFill>
+                  <a:srgbClr val="333333"/>
+                </a:solidFill>
+                <a:effectLst/>
+                <a:latin typeface="Consolas" panose="020B0609020204030204" pitchFamily="49" charset="0"/>
+              </a:rPr>
+            </a:br>
+            <a:r>
+              <a:rPr lang="en-US" b="1" dirty="0">
+                <a:solidFill>
+                  <a:srgbClr val="268BD2"/>
+                </a:solidFill>
+                <a:effectLst/>
+                <a:latin typeface="Consolas" panose="020B0609020204030204" pitchFamily="49" charset="0"/>
+              </a:rPr>
+              <a:t>String</a:t>
+            </a:r>
+            <a:r>
+              <a:rPr lang="en-US" b="0" dirty="0">
+                <a:solidFill>
+                  <a:srgbClr val="333333"/>
+                </a:solidFill>
+                <a:effectLst/>
+                <a:latin typeface="Consolas" panose="020B0609020204030204" pitchFamily="49" charset="0"/>
+              </a:rPr>
+              <a:t> </a:t>
+            </a:r>
+            <a:r>
+              <a:rPr lang="en-US" b="0" dirty="0" err="1">
+                <a:solidFill>
+                  <a:srgbClr val="268BD2"/>
+                </a:solidFill>
+                <a:effectLst/>
+                <a:latin typeface="Consolas" panose="020B0609020204030204" pitchFamily="49" charset="0"/>
+              </a:rPr>
+              <a:t>dontPanic</a:t>
+            </a:r>
+            <a:r>
+              <a:rPr lang="en-US" b="0" dirty="0">
+                <a:solidFill>
+                  <a:srgbClr val="333333"/>
+                </a:solidFill>
+                <a:effectLst/>
+                <a:latin typeface="Consolas" panose="020B0609020204030204" pitchFamily="49" charset="0"/>
+              </a:rPr>
+              <a:t> </a:t>
+            </a:r>
+            <a:r>
+              <a:rPr lang="en-US" b="0" dirty="0">
+                <a:solidFill>
+                  <a:srgbClr val="859900"/>
+                </a:solidFill>
+                <a:effectLst/>
+                <a:latin typeface="Consolas" panose="020B0609020204030204" pitchFamily="49" charset="0"/>
+              </a:rPr>
+              <a:t>=</a:t>
+            </a:r>
+            <a:r>
+              <a:rPr lang="en-US" b="0" dirty="0">
+                <a:solidFill>
+                  <a:srgbClr val="333333"/>
+                </a:solidFill>
+                <a:effectLst/>
+                <a:latin typeface="Consolas" panose="020B0609020204030204" pitchFamily="49" charset="0"/>
+              </a:rPr>
+              <a:t> </a:t>
+            </a:r>
+            <a:r>
+              <a:rPr lang="en-US" b="0" dirty="0" err="1">
+                <a:solidFill>
+                  <a:srgbClr val="268BD2"/>
+                </a:solidFill>
+                <a:effectLst/>
+                <a:latin typeface="Consolas" panose="020B0609020204030204" pitchFamily="49" charset="0"/>
+              </a:rPr>
+              <a:t>String</a:t>
+            </a:r>
+            <a:r>
+              <a:rPr lang="en-US" b="0" dirty="0" err="1">
+                <a:solidFill>
+                  <a:srgbClr val="333333"/>
+                </a:solidFill>
+                <a:effectLst/>
+                <a:latin typeface="Consolas" panose="020B0609020204030204" pitchFamily="49" charset="0"/>
+              </a:rPr>
+              <a:t>.</a:t>
+            </a:r>
+            <a:r>
+              <a:rPr lang="en-US" b="0" dirty="0" err="1">
+                <a:solidFill>
+                  <a:srgbClr val="268BD2"/>
+                </a:solidFill>
+                <a:effectLst/>
+                <a:latin typeface="Consolas" panose="020B0609020204030204" pitchFamily="49" charset="0"/>
+              </a:rPr>
+              <a:t>format</a:t>
+            </a:r>
+            <a:r>
+              <a:rPr lang="en-US" b="0" dirty="0">
+                <a:solidFill>
+                  <a:srgbClr val="333333"/>
+                </a:solidFill>
+                <a:effectLst/>
+                <a:latin typeface="Consolas" panose="020B0609020204030204" pitchFamily="49" charset="0"/>
+              </a:rPr>
+              <a:t>(</a:t>
+            </a:r>
+            <a:r>
+              <a:rPr lang="en-US" b="0" dirty="0">
+                <a:solidFill>
+                  <a:srgbClr val="2AA198"/>
+                </a:solidFill>
+                <a:effectLst/>
+                <a:latin typeface="Consolas" panose="020B0609020204030204" pitchFamily="49" charset="0"/>
+              </a:rPr>
+              <a:t>"Don't forget to bring your %s towel"</a:t>
+            </a:r>
+            <a:r>
+              <a:rPr lang="en-US" b="0" dirty="0">
+                <a:solidFill>
+                  <a:srgbClr val="333333"/>
+                </a:solidFill>
+                <a:effectLst/>
+                <a:latin typeface="Consolas" panose="020B0609020204030204" pitchFamily="49" charset="0"/>
+              </a:rPr>
+              <a:t>, </a:t>
+            </a:r>
+            <a:r>
+              <a:rPr lang="en-US" b="0" dirty="0" err="1">
+                <a:solidFill>
+                  <a:srgbClr val="268BD2"/>
+                </a:solidFill>
+                <a:effectLst/>
+                <a:latin typeface="Consolas" panose="020B0609020204030204" pitchFamily="49" charset="0"/>
+              </a:rPr>
+              <a:t>towelColor</a:t>
+            </a:r>
+            <a:r>
+              <a:rPr lang="en-US" b="0" dirty="0">
+                <a:solidFill>
+                  <a:srgbClr val="333333"/>
+                </a:solidFill>
+                <a:effectLst/>
+                <a:latin typeface="Consolas" panose="020B0609020204030204" pitchFamily="49" charset="0"/>
+              </a:rPr>
+              <a:t>);</a:t>
+            </a:r>
+            <a:br>
+              <a:rPr lang="en-US" b="0" dirty="0">
+                <a:solidFill>
+                  <a:srgbClr val="333333"/>
+                </a:solidFill>
+                <a:effectLst/>
+                <a:latin typeface="Consolas" panose="020B0609020204030204" pitchFamily="49" charset="0"/>
+              </a:rPr>
+            </a:br>
+            <a:r>
+              <a:rPr lang="en-US" b="1" dirty="0">
+                <a:solidFill>
+                  <a:srgbClr val="268BD2"/>
+                </a:solidFill>
+                <a:effectLst/>
+                <a:latin typeface="Consolas" panose="020B0609020204030204" pitchFamily="49" charset="0"/>
+              </a:rPr>
+              <a:t>String</a:t>
+            </a:r>
+            <a:r>
+              <a:rPr lang="en-US" b="0" dirty="0">
+                <a:solidFill>
+                  <a:srgbClr val="333333"/>
+                </a:solidFill>
+                <a:effectLst/>
+                <a:latin typeface="Consolas" panose="020B0609020204030204" pitchFamily="49" charset="0"/>
+              </a:rPr>
+              <a:t> </a:t>
+            </a:r>
+            <a:r>
+              <a:rPr lang="en-US" b="0" dirty="0">
+                <a:solidFill>
+                  <a:srgbClr val="268BD2"/>
+                </a:solidFill>
+                <a:effectLst/>
+                <a:latin typeface="Consolas" panose="020B0609020204030204" pitchFamily="49" charset="0"/>
+              </a:rPr>
+              <a:t>txt</a:t>
+            </a:r>
+            <a:r>
+              <a:rPr lang="en-US" b="0" dirty="0">
+                <a:solidFill>
+                  <a:srgbClr val="333333"/>
+                </a:solidFill>
+                <a:effectLst/>
+                <a:latin typeface="Consolas" panose="020B0609020204030204" pitchFamily="49" charset="0"/>
+              </a:rPr>
+              <a:t> </a:t>
+            </a:r>
+            <a:r>
+              <a:rPr lang="en-US" b="0" dirty="0">
+                <a:solidFill>
+                  <a:srgbClr val="859900"/>
+                </a:solidFill>
+                <a:effectLst/>
+                <a:latin typeface="Consolas" panose="020B0609020204030204" pitchFamily="49" charset="0"/>
+              </a:rPr>
+              <a:t>=</a:t>
+            </a:r>
+            <a:r>
+              <a:rPr lang="en-US" b="0" dirty="0">
+                <a:solidFill>
+                  <a:srgbClr val="333333"/>
+                </a:solidFill>
+                <a:effectLst/>
+                <a:latin typeface="Consolas" panose="020B0609020204030204" pitchFamily="49" charset="0"/>
+              </a:rPr>
+              <a:t> </a:t>
+            </a:r>
+            <a:r>
+              <a:rPr lang="en-US" b="0" dirty="0">
+                <a:solidFill>
+                  <a:srgbClr val="2AA198"/>
+                </a:solidFill>
+                <a:effectLst/>
+                <a:latin typeface="Consolas" panose="020B0609020204030204" pitchFamily="49" charset="0"/>
+              </a:rPr>
+              <a:t>"Don't panic“</a:t>
+            </a:r>
+            <a:r>
+              <a:rPr lang="en-US" dirty="0">
+                <a:solidFill>
+                  <a:srgbClr val="333333"/>
+                </a:solidFill>
+                <a:latin typeface="Consolas" panose="020B0609020204030204" pitchFamily="49" charset="0"/>
+              </a:rPr>
+              <a:t>;</a:t>
+            </a:r>
+            <a:br>
+              <a:rPr lang="en-US" dirty="0">
+                <a:solidFill>
+                  <a:srgbClr val="333333"/>
+                </a:solidFill>
+                <a:latin typeface="Consolas" panose="020B0609020204030204" pitchFamily="49" charset="0"/>
+              </a:rPr>
+            </a:br>
+            <a:r>
+              <a:rPr lang="en-US" b="1" dirty="0">
+                <a:solidFill>
+                  <a:srgbClr val="268BD2"/>
+                </a:solidFill>
+                <a:effectLst/>
+                <a:latin typeface="Consolas" panose="020B0609020204030204" pitchFamily="49" charset="0"/>
+              </a:rPr>
+              <a:t>String</a:t>
+            </a:r>
+            <a:r>
+              <a:rPr lang="en-US" b="0" dirty="0">
+                <a:solidFill>
+                  <a:srgbClr val="333333"/>
+                </a:solidFill>
+                <a:effectLst/>
+                <a:latin typeface="Consolas" panose="020B0609020204030204" pitchFamily="49" charset="0"/>
+              </a:rPr>
+              <a:t> </a:t>
+            </a:r>
+            <a:r>
+              <a:rPr lang="en-US" b="0" dirty="0">
+                <a:solidFill>
+                  <a:srgbClr val="268BD2"/>
+                </a:solidFill>
+                <a:effectLst/>
+                <a:latin typeface="Consolas" panose="020B0609020204030204" pitchFamily="49" charset="0"/>
+              </a:rPr>
+              <a:t>heading1</a:t>
+            </a:r>
+            <a:r>
+              <a:rPr lang="en-US" b="0" dirty="0">
+                <a:solidFill>
+                  <a:srgbClr val="333333"/>
+                </a:solidFill>
+                <a:effectLst/>
+                <a:latin typeface="Consolas" panose="020B0609020204030204" pitchFamily="49" charset="0"/>
+              </a:rPr>
+              <a:t> </a:t>
+            </a:r>
+            <a:r>
+              <a:rPr lang="en-US" b="0" dirty="0">
+                <a:solidFill>
+                  <a:srgbClr val="859900"/>
+                </a:solidFill>
+                <a:effectLst/>
+                <a:latin typeface="Consolas" panose="020B0609020204030204" pitchFamily="49" charset="0"/>
+              </a:rPr>
+              <a:t>=</a:t>
+            </a:r>
+            <a:r>
+              <a:rPr lang="en-US" b="0" dirty="0">
+                <a:solidFill>
+                  <a:srgbClr val="333333"/>
+                </a:solidFill>
+                <a:effectLst/>
+                <a:latin typeface="Consolas" panose="020B0609020204030204" pitchFamily="49" charset="0"/>
+              </a:rPr>
+              <a:t> </a:t>
+            </a:r>
+            <a:r>
+              <a:rPr lang="en-US" b="0" dirty="0" err="1">
+                <a:solidFill>
+                  <a:srgbClr val="268BD2"/>
+                </a:solidFill>
+                <a:effectLst/>
+                <a:latin typeface="Consolas" panose="020B0609020204030204" pitchFamily="49" charset="0"/>
+              </a:rPr>
+              <a:t>String</a:t>
+            </a:r>
+            <a:r>
+              <a:rPr lang="en-US" b="0" dirty="0" err="1">
+                <a:solidFill>
+                  <a:srgbClr val="333333"/>
+                </a:solidFill>
+                <a:effectLst/>
+                <a:latin typeface="Consolas" panose="020B0609020204030204" pitchFamily="49" charset="0"/>
+              </a:rPr>
+              <a:t>.</a:t>
+            </a:r>
+            <a:r>
+              <a:rPr lang="en-US" b="0" dirty="0" err="1">
+                <a:solidFill>
+                  <a:srgbClr val="268BD2"/>
+                </a:solidFill>
+                <a:effectLst/>
+                <a:latin typeface="Consolas" panose="020B0609020204030204" pitchFamily="49" charset="0"/>
+              </a:rPr>
+              <a:t>format</a:t>
+            </a:r>
+            <a:r>
+              <a:rPr lang="en-US" b="0" dirty="0">
+                <a:solidFill>
+                  <a:srgbClr val="333333"/>
+                </a:solidFill>
+                <a:effectLst/>
+                <a:latin typeface="Consolas" panose="020B0609020204030204" pitchFamily="49" charset="0"/>
+              </a:rPr>
+              <a:t>(</a:t>
+            </a:r>
+            <a:r>
+              <a:rPr lang="en-US" b="0" dirty="0">
+                <a:solidFill>
+                  <a:srgbClr val="2AA198"/>
+                </a:solidFill>
+                <a:effectLst/>
+                <a:latin typeface="Consolas" panose="020B0609020204030204" pitchFamily="49" charset="0"/>
+              </a:rPr>
+              <a:t>"&lt;h1&gt;%s&lt;/h1&gt;"</a:t>
+            </a:r>
+            <a:r>
+              <a:rPr lang="en-US" b="0" dirty="0">
+                <a:solidFill>
+                  <a:srgbClr val="333333"/>
+                </a:solidFill>
+                <a:effectLst/>
+                <a:latin typeface="Consolas" panose="020B0609020204030204" pitchFamily="49" charset="0"/>
+              </a:rPr>
+              <a:t>, </a:t>
+            </a:r>
+            <a:r>
+              <a:rPr lang="en-US" b="0" dirty="0">
+                <a:solidFill>
+                  <a:srgbClr val="268BD2"/>
+                </a:solidFill>
+                <a:effectLst/>
+                <a:latin typeface="Consolas" panose="020B0609020204030204" pitchFamily="49" charset="0"/>
+              </a:rPr>
+              <a:t>txt</a:t>
+            </a:r>
+            <a:r>
+              <a:rPr lang="en-US" b="0" dirty="0">
+                <a:solidFill>
+                  <a:srgbClr val="333333"/>
+                </a:solidFill>
+                <a:effectLst/>
+                <a:latin typeface="Consolas" panose="020B0609020204030204" pitchFamily="49" charset="0"/>
+              </a:rPr>
+              <a:t>);</a:t>
+            </a:r>
             <a:endParaRPr lang="en-US" dirty="0"/>
           </a:p>
           <a:p>
@@ -7949,12 +8998,118 @@
               <a:t>  is </a:t>
             </a:r>
             <a:r>
-              <a:rPr lang="en-US" dirty="0" err="1"/>
-              <a:t>System.out.printf</a:t>
+              <a:rPr lang="pt-BR" b="0" dirty="0">
+                <a:solidFill>
+                  <a:srgbClr val="333333"/>
+                </a:solidFill>
+                <a:effectLst/>
+                <a:latin typeface="Consolas" panose="020B0609020204030204" pitchFamily="49" charset="0"/>
+              </a:rPr>
+              <a:t> </a:t>
+            </a:r>
+            <a:r>
+              <a:rPr lang="pt-BR" b="0" dirty="0">
+                <a:solidFill>
+                  <a:srgbClr val="268BD2"/>
+                </a:solidFill>
+                <a:effectLst/>
+                <a:latin typeface="Consolas" panose="020B0609020204030204" pitchFamily="49" charset="0"/>
+              </a:rPr>
+              <a:t>System</a:t>
+            </a:r>
+            <a:r>
+              <a:rPr lang="pt-BR" b="0" dirty="0">
+                <a:solidFill>
+                  <a:srgbClr val="333333"/>
+                </a:solidFill>
+                <a:effectLst/>
+                <a:latin typeface="Consolas" panose="020B0609020204030204" pitchFamily="49" charset="0"/>
+              </a:rPr>
+              <a:t>.</a:t>
+            </a:r>
+            <a:r>
+              <a:rPr lang="pt-BR" b="0" dirty="0">
+                <a:solidFill>
+                  <a:srgbClr val="268BD2"/>
+                </a:solidFill>
+                <a:effectLst/>
+                <a:latin typeface="Consolas" panose="020B0609020204030204" pitchFamily="49" charset="0"/>
+              </a:rPr>
+              <a:t>out</a:t>
+            </a:r>
+            <a:r>
+              <a:rPr lang="pt-BR" b="0" dirty="0">
+                <a:solidFill>
+                  <a:srgbClr val="333333"/>
+                </a:solidFill>
+                <a:effectLst/>
+                <a:latin typeface="Consolas" panose="020B0609020204030204" pitchFamily="49" charset="0"/>
+              </a:rPr>
+              <a:t>.</a:t>
+            </a:r>
+            <a:r>
+              <a:rPr lang="pt-BR" b="0" dirty="0">
+                <a:solidFill>
+                  <a:srgbClr val="268BD2"/>
+                </a:solidFill>
+                <a:effectLst/>
+                <a:latin typeface="Consolas" panose="020B0609020204030204" pitchFamily="49" charset="0"/>
+              </a:rPr>
+              <a:t>printf</a:t>
+            </a:r>
+            <a:r>
+              <a:rPr lang="pt-BR" b="0" dirty="0">
+                <a:solidFill>
+                  <a:srgbClr val="333333"/>
+                </a:solidFill>
+                <a:effectLst/>
+                <a:latin typeface="Consolas" panose="020B0609020204030204" pitchFamily="49" charset="0"/>
+              </a:rPr>
+              <a:t>(</a:t>
+            </a:r>
+            <a:r>
+              <a:rPr lang="pt-BR" b="0" dirty="0">
+                <a:solidFill>
+                  <a:srgbClr val="2AA198"/>
+                </a:solidFill>
+                <a:effectLst/>
+                <a:latin typeface="Consolas" panose="020B0609020204030204" pitchFamily="49" charset="0"/>
+              </a:rPr>
+              <a:t>"&lt;h1&gt;%s&lt;/h1&gt;"</a:t>
+            </a:r>
+            <a:r>
+              <a:rPr lang="pt-BR" b="0" dirty="0">
+                <a:solidFill>
+                  <a:srgbClr val="333333"/>
+                </a:solidFill>
+                <a:effectLst/>
+                <a:latin typeface="Consolas" panose="020B0609020204030204" pitchFamily="49" charset="0"/>
+              </a:rPr>
+              <a:t>, </a:t>
+            </a:r>
+            <a:r>
+              <a:rPr lang="pt-BR" b="0" dirty="0">
+                <a:solidFill>
+                  <a:srgbClr val="268BD2"/>
+                </a:solidFill>
+                <a:effectLst/>
+                <a:latin typeface="Consolas" panose="020B0609020204030204" pitchFamily="49" charset="0"/>
+              </a:rPr>
+              <a:t>txt</a:t>
+            </a:r>
+            <a:r>
+              <a:rPr lang="pt-BR" b="0" dirty="0">
+                <a:solidFill>
+                  <a:srgbClr val="333333"/>
+                </a:solidFill>
+                <a:effectLst/>
+                <a:latin typeface="Consolas" panose="020B0609020204030204" pitchFamily="49" charset="0"/>
+              </a:rPr>
+              <a:t>); </a:t>
             </a:r>
             <a:r>
               <a:rPr lang="en-US" dirty="0"/>
-              <a:t>(“&lt;h1&gt;%s&lt;/h1&gt;”, txt);  // prints &lt;h1&gt;Don’t panic&lt;/h1&gt; to the screen</a:t>
+              <a:t>// prints &lt;h1&gt;Don’t panic&lt;/h1&gt; to the screen</a:t>
             </a:r>
           </a:p>
         </p:txBody>
@@ -7969,14 +9124,14 @@
   <p:clrMapOvr>
     <a:masterClrMapping/>
   </p:clrMapOvr>
-  <mc:AlternateContent xmlns:mc="http://schemas.openxmlformats.org/markup-compatibility/2006" xmlns:p14="http://schemas.microsoft.com/office/powerpoint/2010/main">
-    <mc:Choice Requires="p14">
-      <p:transition p14:dur="300">
+  <mc:AlternateContent xmlns:mc="http://schemas.openxmlformats.org/markup-compatibility/2006">
+    <mc:Choice xmlns:p14="http://schemas.microsoft.com/office/powerpoint/2010/main" Requires="p14">
+      <p:transition p14:dur="300" advTm="109816">
         <p:fade/>
       </p:transition>
     </mc:Choice>
-    <mc:Fallback xmlns="">
-      <p:transition>
+    <mc:Fallback>
+      <p:transition advTm="109816">
         <p:fade/>
       </p:transition>
     </mc:Fallback>
@@ -8223,35 +9378,28 @@
                 <a:latin typeface="Consolas" panose="020B0609020204030204" pitchFamily="49" charset="0"/>
                 <a:cs typeface="Consolas" panose="020B0609020204030204" pitchFamily="49" charset="0"/>
               </a:rPr>
-              <a:t>            </a:t>
-            </a:r>
-            <a:r>
-              <a:rPr lang="en-US" sz="1400" dirty="0" err="1">
+              <a:t>           </a:t>
+            </a:r>
+            <a:r>
+              <a:rPr lang="en-US" sz="1400" b="1" dirty="0">
                 <a:latin typeface="Consolas" panose="020B0609020204030204" pitchFamily="49" charset="0"/>
                 <a:cs typeface="Consolas" panose="020B0609020204030204" pitchFamily="49" charset="0"/>
               </a:rPr>
+              <a:t> </a:t>
+            </a:r>
+            <a:r>
+              <a:rPr lang="en-US" sz="1400" b="1" dirty="0" err="1">
+                <a:latin typeface="Consolas" panose="020B0609020204030204" pitchFamily="49" charset="0"/>
+                <a:cs typeface="Consolas" panose="020B0609020204030204" pitchFamily="49" charset="0"/>
+              </a:rPr>
               <a:t>String.format</a:t>
             </a:r>
             <a:r>
-              <a:rPr lang="en-US" sz="1400" dirty="0">
+              <a:rPr lang="en-US" sz="1400" b="1" dirty="0">
                 <a:latin typeface="Consolas" panose="020B0609020204030204" pitchFamily="49" charset="0"/>
                 <a:cs typeface="Consolas" panose="020B0609020204030204" pitchFamily="49" charset="0"/>
               </a:rPr>
-              <a:t>("|</a:t>
-            </a:r>
-            <a:r>
-              <a:rPr lang="en-US" sz="1400" b="1" dirty="0">
-                <a:latin typeface="Consolas" panose="020B0609020204030204" pitchFamily="49" charset="0"/>
-                <a:cs typeface="Consolas" panose="020B0609020204030204" pitchFamily="49" charset="0"/>
-              </a:rPr>
-              <a:t>%33s</a:t>
-            </a:r>
-            <a:r>
-              <a:rPr lang="en-US" sz="1400" dirty="0">
-                <a:latin typeface="Consolas" panose="020B0609020204030204" pitchFamily="49" charset="0"/>
-                <a:cs typeface="Consolas" panose="020B0609020204030204" pitchFamily="49" charset="0"/>
-              </a:rPr>
-              <a:t> |%n", name) +</a:t>
+              <a:t>("|%33s |%n", name) +</a:t>
             </a:r>
           </a:p>
           <a:p>
@@ -8878,6 +10026,9 @@
         </p:txBody>
       </p:sp>
     </p:spTree>
+    <p:custDataLst>
+      <p:tags r:id="rId1"/>
+    </p:custDataLst>
     <p:extLst>
       <p:ext uri="{BB962C8B-B14F-4D97-AF65-F5344CB8AC3E}">
         <p14:creationId xmlns:p14="http://schemas.microsoft.com/office/powerpoint/2010/main" val="4147123727"/>
@@ -8887,14 +10038,14 @@
   <p:clrMapOvr>
     <a:masterClrMapping/>
   </p:clrMapOvr>
-  <mc:AlternateContent xmlns:mc="http://schemas.openxmlformats.org/markup-compatibility/2006" xmlns:p14="http://schemas.microsoft.com/office/powerpoint/2010/main">
-    <mc:Choice Requires="p14">
-      <p:transition p14:dur="300">
+  <mc:AlternateContent xmlns:mc="http://schemas.openxmlformats.org/markup-compatibility/2006">
+    <mc:Choice xmlns:p14="http://schemas.microsoft.com/office/powerpoint/2010/main" Requires="p14">
+      <p:transition p14:dur="300" advTm="94096">
         <p:fade/>
       </p:transition>
     </mc:Choice>
-    <mc:Fallback xmlns="">
-      <p:transition>
+    <mc:Fallback>
+      <p:transition advTm="94096">
         <p:fade/>
       </p:transition>
     </mc:Fallback>
@@ -9485,219 +10636,6 @@
       </p:sp>
       <p:sp>
         <p:nvSpPr>
-          <p:cNvPr id="3" name="Text Placeholder 2">
-            <a:extLst>
-              <a:ext uri="{FF2B5EF4-FFF2-40B4-BE49-F238E27FC236}">
-                <a16:creationId xmlns:a16="http://schemas.microsoft.com/office/drawing/2014/main" id="{05BA4BAC-E8DC-4047-AEF5-739C4BFEE3B2}"/>
-              </a:ext>
-            </a:extLst>
-          </p:cNvPr>
-          <p:cNvSpPr>
-            <a:spLocks noGrp="1"/>
-          </p:cNvSpPr>
-          <p:nvPr>
-            <p:ph type="body" sz="quarter" idx="10"/>
-          </p:nvPr>
-        </p:nvSpPr>
-        <p:spPr>
-          <a:xfrm>
-            <a:off x="628076" y="2091476"/>
-            <a:ext cx="6747086" cy="3269869"/>
-          </a:xfrm>
-        </p:spPr>
-        <p:txBody>
-          <a:bodyPr/>
-          <a:lstStyle/>
-          <a:p>
-            <a:pPr marL="0" indent="0">
-              <a:buNone/>
-            </a:pPr>
-            <a:r>
-              <a:rPr lang="en-US" dirty="0">
-                <a:latin typeface="Consolas" panose="020B0609020204030204" pitchFamily="49" charset="0"/>
-                <a:cs typeface="Consolas" panose="020B0609020204030204" pitchFamily="49" charset="0"/>
-              </a:rPr>
-              <a:t>public static String </a:t>
-            </a:r>
-            <a:r>
-              <a:rPr lang="en-US" dirty="0" err="1">
-                <a:latin typeface="Consolas" panose="020B0609020204030204" pitchFamily="49" charset="0"/>
-                <a:cs typeface="Consolas" panose="020B0609020204030204" pitchFamily="49" charset="0"/>
-              </a:rPr>
-              <a:t>percentNoFormat</a:t>
-            </a:r>
-            <a:r>
-              <a:rPr lang="en-US" dirty="0">
-                <a:latin typeface="Consolas" panose="020B0609020204030204" pitchFamily="49" charset="0"/>
-                <a:cs typeface="Consolas" panose="020B0609020204030204" pitchFamily="49" charset="0"/>
-              </a:rPr>
-              <a:t>(double </a:t>
-            </a:r>
-            <a:r>
-              <a:rPr lang="en-US" dirty="0" err="1">
-                <a:latin typeface="Consolas" panose="020B0609020204030204" pitchFamily="49" charset="0"/>
-                <a:cs typeface="Consolas" panose="020B0609020204030204" pitchFamily="49" charset="0"/>
-              </a:rPr>
-              <a:t>val</a:t>
-            </a:r>
-            <a:r>
-              <a:rPr lang="en-US" dirty="0">
-                <a:latin typeface="Consolas" panose="020B0609020204030204" pitchFamily="49" charset="0"/>
-                <a:cs typeface="Consolas" panose="020B0609020204030204" pitchFamily="49" charset="0"/>
-              </a:rPr>
-              <a:t>) {</a:t>
-            </a:r>
-            <a:br>
-              <a:rPr lang="en-US" dirty="0">
-                <a:latin typeface="Consolas" panose="020B0609020204030204" pitchFamily="49" charset="0"/>
-                <a:cs typeface="Consolas" panose="020B0609020204030204" pitchFamily="49" charset="0"/>
-              </a:rPr>
-            </a:br>
-            <a:r>
-              <a:rPr lang="en-US" dirty="0">
-                <a:latin typeface="Consolas" panose="020B0609020204030204" pitchFamily="49" charset="0"/>
-                <a:cs typeface="Consolas" panose="020B0609020204030204" pitchFamily="49" charset="0"/>
-              </a:rPr>
-              <a:t>   return </a:t>
-            </a:r>
-            <a:r>
-              <a:rPr lang="en-US" dirty="0" err="1">
-                <a:latin typeface="Consolas" panose="020B0609020204030204" pitchFamily="49" charset="0"/>
-                <a:cs typeface="Consolas" panose="020B0609020204030204" pitchFamily="49" charset="0"/>
-              </a:rPr>
-              <a:t>val</a:t>
-            </a:r>
-            <a:r>
-              <a:rPr lang="en-US" dirty="0">
-                <a:latin typeface="Consolas" panose="020B0609020204030204" pitchFamily="49" charset="0"/>
-                <a:cs typeface="Consolas" panose="020B0609020204030204" pitchFamily="49" charset="0"/>
-              </a:rPr>
-              <a:t> + "%"; </a:t>
-            </a:r>
-            <a:br>
-              <a:rPr lang="en-US" dirty="0">
-                <a:latin typeface="Consolas" panose="020B0609020204030204" pitchFamily="49" charset="0"/>
-                <a:cs typeface="Consolas" panose="020B0609020204030204" pitchFamily="49" charset="0"/>
-              </a:rPr>
-            </a:br>
-            <a:r>
-              <a:rPr lang="en-US" dirty="0">
-                <a:latin typeface="Consolas" panose="020B0609020204030204" pitchFamily="49" charset="0"/>
-                <a:cs typeface="Consolas" panose="020B0609020204030204" pitchFamily="49" charset="0"/>
-              </a:rPr>
-              <a:t>}</a:t>
-            </a:r>
-          </a:p>
-          <a:p>
-            <a:endParaRPr lang="en-US" dirty="0">
-              <a:latin typeface="Consolas" panose="020B0609020204030204" pitchFamily="49" charset="0"/>
-              <a:cs typeface="Consolas" panose="020B0609020204030204" pitchFamily="49" charset="0"/>
-            </a:endParaRPr>
-          </a:p>
-          <a:p>
-            <a:pPr marL="0" indent="0">
-              <a:buNone/>
-            </a:pPr>
-            <a:r>
-              <a:rPr lang="en-US" dirty="0">
-                <a:latin typeface="Consolas" panose="020B0609020204030204" pitchFamily="49" charset="0"/>
-                <a:cs typeface="Consolas" panose="020B0609020204030204" pitchFamily="49" charset="0"/>
-              </a:rPr>
-              <a:t>public static String </a:t>
-            </a:r>
-            <a:r>
-              <a:rPr lang="en-US" dirty="0" err="1">
-                <a:latin typeface="Consolas" panose="020B0609020204030204" pitchFamily="49" charset="0"/>
-                <a:cs typeface="Consolas" panose="020B0609020204030204" pitchFamily="49" charset="0"/>
-              </a:rPr>
-              <a:t>percentFormat</a:t>
-            </a:r>
-            <a:r>
-              <a:rPr lang="en-US" dirty="0">
-                <a:latin typeface="Consolas" panose="020B0609020204030204" pitchFamily="49" charset="0"/>
-                <a:cs typeface="Consolas" panose="020B0609020204030204" pitchFamily="49" charset="0"/>
-              </a:rPr>
-              <a:t>(double </a:t>
-            </a:r>
-            <a:r>
-              <a:rPr lang="en-US" dirty="0" err="1">
-                <a:latin typeface="Consolas" panose="020B0609020204030204" pitchFamily="49" charset="0"/>
-                <a:cs typeface="Consolas" panose="020B0609020204030204" pitchFamily="49" charset="0"/>
-              </a:rPr>
-              <a:t>val</a:t>
-            </a:r>
-            <a:r>
-              <a:rPr lang="en-US" dirty="0">
-                <a:latin typeface="Consolas" panose="020B0609020204030204" pitchFamily="49" charset="0"/>
-                <a:cs typeface="Consolas" panose="020B0609020204030204" pitchFamily="49" charset="0"/>
-              </a:rPr>
-              <a:t>) {</a:t>
-            </a:r>
-            <a:br>
-              <a:rPr lang="en-US" dirty="0">
-                <a:latin typeface="Consolas" panose="020B0609020204030204" pitchFamily="49" charset="0"/>
-                <a:cs typeface="Consolas" panose="020B0609020204030204" pitchFamily="49" charset="0"/>
-              </a:rPr>
-            </a:br>
-            <a:r>
-              <a:rPr lang="en-US" dirty="0">
-                <a:latin typeface="Consolas" panose="020B0609020204030204" pitchFamily="49" charset="0"/>
-                <a:cs typeface="Consolas" panose="020B0609020204030204" pitchFamily="49" charset="0"/>
-              </a:rPr>
-              <a:t>    return </a:t>
-            </a:r>
-            <a:r>
-              <a:rPr lang="en-US" dirty="0" err="1">
-                <a:latin typeface="Consolas" panose="020B0609020204030204" pitchFamily="49" charset="0"/>
-                <a:cs typeface="Consolas" panose="020B0609020204030204" pitchFamily="49" charset="0"/>
-              </a:rPr>
-              <a:t>String.format</a:t>
-            </a:r>
-            <a:r>
-              <a:rPr lang="en-US" dirty="0">
-                <a:latin typeface="Consolas" panose="020B0609020204030204" pitchFamily="49" charset="0"/>
-                <a:cs typeface="Consolas" panose="020B0609020204030204" pitchFamily="49" charset="0"/>
-              </a:rPr>
-              <a:t>("%.2f%%", </a:t>
-            </a:r>
-            <a:r>
-              <a:rPr lang="en-US" dirty="0" err="1">
-                <a:latin typeface="Consolas" panose="020B0609020204030204" pitchFamily="49" charset="0"/>
-                <a:cs typeface="Consolas" panose="020B0609020204030204" pitchFamily="49" charset="0"/>
-              </a:rPr>
-              <a:t>val</a:t>
-            </a:r>
-            <a:r>
-              <a:rPr lang="en-US" dirty="0">
-                <a:latin typeface="Consolas" panose="020B0609020204030204" pitchFamily="49" charset="0"/>
-                <a:cs typeface="Consolas" panose="020B0609020204030204" pitchFamily="49" charset="0"/>
-              </a:rPr>
-              <a:t>);</a:t>
-            </a:r>
-            <a:br>
-              <a:rPr lang="en-US" dirty="0">
-                <a:latin typeface="Consolas" panose="020B0609020204030204" pitchFamily="49" charset="0"/>
-                <a:cs typeface="Consolas" panose="020B0609020204030204" pitchFamily="49" charset="0"/>
-              </a:rPr>
-            </a:br>
-            <a:r>
-              <a:rPr lang="en-US" dirty="0">
-                <a:latin typeface="Consolas" panose="020B0609020204030204" pitchFamily="49" charset="0"/>
-                <a:cs typeface="Consolas" panose="020B0609020204030204" pitchFamily="49" charset="0"/>
-              </a:rPr>
-              <a:t>}</a:t>
-            </a:r>
-          </a:p>
-          <a:p>
-            <a:pPr marL="0" indent="0">
-              <a:buNone/>
-            </a:pPr>
-            <a:endParaRPr lang="en-US" dirty="0"/>
-          </a:p>
-        </p:txBody>
-      </p:sp>
-      <p:sp>
-        <p:nvSpPr>
           <p:cNvPr id="4" name="Rectangle 3">
             <a:extLst>
               <a:ext uri="{FF2B5EF4-FFF2-40B4-BE49-F238E27FC236}">
@@ -9818,7 +10756,529 @@
           </a:p>
         </p:txBody>
       </p:sp>
+      <p:sp>
+        <p:nvSpPr>
+          <p:cNvPr id="9" name="TextBox 8">
+            <a:extLst>
+              <a:ext uri="{FF2B5EF4-FFF2-40B4-BE49-F238E27FC236}">
+                <a16:creationId xmlns:a16="http://schemas.microsoft.com/office/drawing/2014/main" id="{5E713F84-E14E-44FE-95C8-872DD63B0F27}"/>
+              </a:ext>
+            </a:extLst>
+          </p:cNvPr>
+          <p:cNvSpPr txBox="1"/>
+          <p:nvPr/>
+        </p:nvSpPr>
+        <p:spPr>
+          <a:xfrm>
+            <a:off x="367259" y="2462946"/>
+            <a:ext cx="7517567" cy="2554545"/>
+          </a:xfrm>
+          <a:prstGeom prst="rect">
+            <a:avLst/>
+          </a:prstGeom>
+          <a:noFill/>
+        </p:spPr>
+        <p:txBody>
+          <a:bodyPr wrap="square">
+            <a:spAutoFit/>
+          </a:bodyPr>
+          <a:lstStyle/>
+          <a:p>
+            <a:r>
+              <a:rPr lang="en-US" b="1" dirty="0">
+                <a:solidFill>
+                  <a:srgbClr val="073642"/>
+                </a:solidFill>
+                <a:effectLst/>
+                <a:latin typeface="Consolas" panose="020B0609020204030204" pitchFamily="49" charset="0"/>
+              </a:rPr>
+              <a:t>public</a:t>
+            </a:r>
+            <a:r>
+              <a:rPr lang="en-US" b="0" dirty="0">
+                <a:solidFill>
+                  <a:srgbClr val="333333"/>
+                </a:solidFill>
+                <a:effectLst/>
+                <a:latin typeface="Consolas" panose="020B0609020204030204" pitchFamily="49" charset="0"/>
+              </a:rPr>
+              <a:t> </a:t>
+            </a:r>
+            <a:r>
+              <a:rPr lang="en-US" b="1" dirty="0">
+                <a:solidFill>
+                  <a:srgbClr val="073642"/>
+                </a:solidFill>
+                <a:effectLst/>
+                <a:latin typeface="Consolas" panose="020B0609020204030204" pitchFamily="49" charset="0"/>
+              </a:rPr>
+              <a:t>static</a:t>
+            </a:r>
+            <a:r>
+              <a:rPr lang="en-US" b="0" dirty="0">
+                <a:solidFill>
+                  <a:srgbClr val="333333"/>
+                </a:solidFill>
+                <a:effectLst/>
+                <a:latin typeface="Consolas" panose="020B0609020204030204" pitchFamily="49" charset="0"/>
+              </a:rPr>
+              <a:t> </a:t>
+            </a:r>
+            <a:r>
+              <a:rPr lang="en-US" b="1" dirty="0">
+                <a:solidFill>
+                  <a:srgbClr val="268BD2"/>
+                </a:solidFill>
+                <a:effectLst/>
+                <a:latin typeface="Consolas" panose="020B0609020204030204" pitchFamily="49" charset="0"/>
+              </a:rPr>
+              <a:t>String</a:t>
+            </a:r>
+            <a:r>
+              <a:rPr lang="en-US" b="0" dirty="0">
+                <a:solidFill>
+                  <a:srgbClr val="333333"/>
+                </a:solidFill>
+                <a:effectLst/>
+                <a:latin typeface="Consolas" panose="020B0609020204030204" pitchFamily="49" charset="0"/>
+              </a:rPr>
+              <a:t> </a:t>
+            </a:r>
+            <a:r>
+              <a:rPr lang="en-US" b="0" dirty="0" err="1">
+                <a:solidFill>
+                  <a:srgbClr val="268BD2"/>
+                </a:solidFill>
+                <a:effectLst/>
+                <a:latin typeface="Consolas" panose="020B0609020204030204" pitchFamily="49" charset="0"/>
+              </a:rPr>
+              <a:t>percentNoFormat</a:t>
+            </a:r>
+            <a:r>
+              <a:rPr lang="en-US" b="0" dirty="0">
+                <a:solidFill>
+                  <a:srgbClr val="333333"/>
+                </a:solidFill>
+                <a:effectLst/>
+                <a:latin typeface="Consolas" panose="020B0609020204030204" pitchFamily="49" charset="0"/>
+              </a:rPr>
+              <a:t>(</a:t>
+            </a:r>
+            <a:r>
+              <a:rPr lang="en-US" b="1" dirty="0">
+                <a:solidFill>
+                  <a:srgbClr val="073642"/>
+                </a:solidFill>
+                <a:effectLst/>
+                <a:latin typeface="Consolas" panose="020B0609020204030204" pitchFamily="49" charset="0"/>
+              </a:rPr>
+              <a:t>double</a:t>
+            </a:r>
+            <a:r>
+              <a:rPr lang="en-US" b="0" dirty="0">
+                <a:solidFill>
+                  <a:srgbClr val="333333"/>
+                </a:solidFill>
+                <a:effectLst/>
+                <a:latin typeface="Consolas" panose="020B0609020204030204" pitchFamily="49" charset="0"/>
+              </a:rPr>
+              <a:t> </a:t>
+            </a:r>
+            <a:r>
+              <a:rPr lang="en-US" b="0" dirty="0" err="1">
+                <a:solidFill>
+                  <a:srgbClr val="333333"/>
+                </a:solidFill>
+                <a:effectLst/>
+                <a:latin typeface="Consolas" panose="020B0609020204030204" pitchFamily="49" charset="0"/>
+              </a:rPr>
+              <a:t>val</a:t>
+            </a:r>
+            <a:r>
+              <a:rPr lang="en-US" b="0" dirty="0">
+                <a:solidFill>
+                  <a:srgbClr val="333333"/>
+                </a:solidFill>
+                <a:effectLst/>
+                <a:latin typeface="Consolas" panose="020B0609020204030204" pitchFamily="49" charset="0"/>
+              </a:rPr>
+              <a:t>) {</a:t>
+            </a:r>
+          </a:p>
+          <a:p>
+            <a:r>
+              <a:rPr lang="en-US" b="0" dirty="0">
+                <a:solidFill>
+                  <a:srgbClr val="333333"/>
+                </a:solidFill>
+                <a:effectLst/>
+                <a:latin typeface="Consolas" panose="020B0609020204030204" pitchFamily="49" charset="0"/>
+              </a:rPr>
+              <a:t>   </a:t>
+            </a:r>
+            <a:r>
+              <a:rPr lang="en-US" b="0" dirty="0">
+                <a:solidFill>
+                  <a:srgbClr val="859900"/>
+                </a:solidFill>
+                <a:effectLst/>
+                <a:latin typeface="Consolas" panose="020B0609020204030204" pitchFamily="49" charset="0"/>
+              </a:rPr>
+              <a:t>return</a:t>
+            </a:r>
+            <a:r>
+              <a:rPr lang="en-US" b="0" dirty="0">
+                <a:solidFill>
+                  <a:srgbClr val="333333"/>
+                </a:solidFill>
+                <a:effectLst/>
+                <a:latin typeface="Consolas" panose="020B0609020204030204" pitchFamily="49" charset="0"/>
+              </a:rPr>
+              <a:t> </a:t>
+            </a:r>
+            <a:r>
+              <a:rPr lang="en-US" b="0" dirty="0" err="1">
+                <a:solidFill>
+                  <a:srgbClr val="333333"/>
+                </a:solidFill>
+                <a:effectLst/>
+                <a:latin typeface="Consolas" panose="020B0609020204030204" pitchFamily="49" charset="0"/>
+              </a:rPr>
+              <a:t>val</a:t>
+            </a:r>
+            <a:r>
+              <a:rPr lang="en-US" b="0" dirty="0">
+                <a:solidFill>
+                  <a:srgbClr val="333333"/>
+                </a:solidFill>
+                <a:effectLst/>
+                <a:latin typeface="Consolas" panose="020B0609020204030204" pitchFamily="49" charset="0"/>
+              </a:rPr>
+              <a:t> </a:t>
+            </a:r>
+            <a:r>
+              <a:rPr lang="en-US" b="0" dirty="0">
+                <a:solidFill>
+                  <a:srgbClr val="859900"/>
+                </a:solidFill>
+                <a:effectLst/>
+                <a:latin typeface="Consolas" panose="020B0609020204030204" pitchFamily="49" charset="0"/>
+              </a:rPr>
+              <a:t>+</a:t>
+            </a:r>
+            <a:r>
+              <a:rPr lang="en-US" b="0" dirty="0">
+                <a:solidFill>
+                  <a:srgbClr val="333333"/>
+                </a:solidFill>
+                <a:effectLst/>
+                <a:latin typeface="Consolas" panose="020B0609020204030204" pitchFamily="49" charset="0"/>
+              </a:rPr>
+              <a:t> </a:t>
+            </a:r>
+            <a:r>
+              <a:rPr lang="en-US" b="0" dirty="0">
+                <a:solidFill>
+                  <a:srgbClr val="2AA198"/>
+                </a:solidFill>
+                <a:effectLst/>
+                <a:latin typeface="Consolas" panose="020B0609020204030204" pitchFamily="49" charset="0"/>
+              </a:rPr>
+              <a:t>"%"</a:t>
+            </a:r>
+            <a:r>
+              <a:rPr lang="en-US" b="0" dirty="0">
+                <a:solidFill>
+                  <a:srgbClr val="333333"/>
+                </a:solidFill>
+                <a:effectLst/>
+                <a:latin typeface="Consolas" panose="020B0609020204030204" pitchFamily="49" charset="0"/>
+              </a:rPr>
+              <a:t>; </a:t>
+            </a:r>
+          </a:p>
+          <a:p>
+            <a:r>
+              <a:rPr lang="en-US" b="0" dirty="0">
+                <a:solidFill>
+                  <a:srgbClr val="333333"/>
+                </a:solidFill>
+                <a:effectLst/>
+                <a:latin typeface="Consolas" panose="020B0609020204030204" pitchFamily="49" charset="0"/>
+              </a:rPr>
+              <a:t>}</a:t>
+            </a:r>
+          </a:p>
+          <a:p>
+            <a:endParaRPr lang="en-US" b="0" dirty="0">
+              <a:solidFill>
+                <a:srgbClr val="333333"/>
+              </a:solidFill>
+              <a:effectLst/>
+              <a:latin typeface="Consolas" panose="020B0609020204030204" pitchFamily="49" charset="0"/>
+            </a:endParaRPr>
+          </a:p>
+          <a:p>
+            <a:br>
+              <a:rPr lang="en-US" b="0" dirty="0">
+                <a:solidFill>
+                  <a:srgbClr val="333333"/>
+                </a:solidFill>
+                <a:effectLst/>
+                <a:latin typeface="Consolas" panose="020B0609020204030204" pitchFamily="49" charset="0"/>
+              </a:rPr>
+            </a:br>
+            <a:r>
+              <a:rPr lang="en-US" b="1" dirty="0">
+                <a:solidFill>
+                  <a:srgbClr val="073642"/>
+                </a:solidFill>
+                <a:effectLst/>
+                <a:latin typeface="Consolas" panose="020B0609020204030204" pitchFamily="49" charset="0"/>
+              </a:rPr>
+              <a:t>public</a:t>
+            </a:r>
+            <a:r>
+              <a:rPr lang="en-US" b="0" dirty="0">
+                <a:solidFill>
+                  <a:srgbClr val="333333"/>
+                </a:solidFill>
+                <a:effectLst/>
+                <a:latin typeface="Consolas" panose="020B0609020204030204" pitchFamily="49" charset="0"/>
+              </a:rPr>
+              <a:t> </a:t>
+            </a:r>
+            <a:r>
+              <a:rPr lang="en-US" b="1" dirty="0">
+                <a:solidFill>
+                  <a:srgbClr val="073642"/>
+                </a:solidFill>
+                <a:effectLst/>
+                <a:latin typeface="Consolas" panose="020B0609020204030204" pitchFamily="49" charset="0"/>
+              </a:rPr>
+              <a:t>static</a:t>
+            </a:r>
+            <a:r>
+              <a:rPr lang="en-US" b="0" dirty="0">
+                <a:solidFill>
+                  <a:srgbClr val="333333"/>
+                </a:solidFill>
+                <a:effectLst/>
+                <a:latin typeface="Consolas" panose="020B0609020204030204" pitchFamily="49" charset="0"/>
+              </a:rPr>
+              <a:t> </a:t>
+            </a:r>
+            <a:r>
+              <a:rPr lang="en-US" b="1" dirty="0">
+                <a:solidFill>
+                  <a:srgbClr val="268BD2"/>
+                </a:solidFill>
+                <a:effectLst/>
+                <a:latin typeface="Consolas" panose="020B0609020204030204" pitchFamily="49" charset="0"/>
+              </a:rPr>
+              <a:t>String</a:t>
+            </a:r>
+            <a:r>
+              <a:rPr lang="en-US" b="0" dirty="0">
+                <a:solidFill>
+                  <a:srgbClr val="333333"/>
+                </a:solidFill>
+                <a:effectLst/>
+                <a:latin typeface="Consolas" panose="020B0609020204030204" pitchFamily="49" charset="0"/>
+              </a:rPr>
+              <a:t> </a:t>
+            </a:r>
+            <a:r>
+              <a:rPr lang="en-US" b="0" dirty="0" err="1">
+                <a:solidFill>
+                  <a:srgbClr val="268BD2"/>
+                </a:solidFill>
+                <a:effectLst/>
+                <a:latin typeface="Consolas" panose="020B0609020204030204" pitchFamily="49" charset="0"/>
+              </a:rPr>
+              <a:t>percentFormat</a:t>
+            </a:r>
+            <a:r>
+              <a:rPr lang="en-US" b="0" dirty="0">
+                <a:solidFill>
+                  <a:srgbClr val="333333"/>
+                </a:solidFill>
+                <a:effectLst/>
+                <a:latin typeface="Consolas" panose="020B0609020204030204" pitchFamily="49" charset="0"/>
+              </a:rPr>
+              <a:t>(</a:t>
+            </a:r>
+            <a:r>
+              <a:rPr lang="en-US" b="1" dirty="0">
+                <a:solidFill>
+                  <a:srgbClr val="073642"/>
+                </a:solidFill>
+                <a:effectLst/>
+                <a:latin typeface="Consolas" panose="020B0609020204030204" pitchFamily="49" charset="0"/>
+              </a:rPr>
+              <a:t>double</a:t>
+            </a:r>
+            <a:r>
+              <a:rPr lang="en-US" b="0" dirty="0">
+                <a:solidFill>
+                  <a:srgbClr val="333333"/>
+                </a:solidFill>
+                <a:effectLst/>
+                <a:latin typeface="Consolas" panose="020B0609020204030204" pitchFamily="49" charset="0"/>
+              </a:rPr>
+              <a:t> </a:t>
+            </a:r>
+            <a:r>
+              <a:rPr lang="en-US" b="0" dirty="0" err="1">
+                <a:solidFill>
+                  <a:srgbClr val="333333"/>
+                </a:solidFill>
+                <a:effectLst/>
+                <a:latin typeface="Consolas" panose="020B0609020204030204" pitchFamily="49" charset="0"/>
+              </a:rPr>
+              <a:t>val</a:t>
+            </a:r>
+            <a:r>
+              <a:rPr lang="en-US" b="0" dirty="0">
+                <a:solidFill>
+                  <a:srgbClr val="333333"/>
+                </a:solidFill>
+                <a:effectLst/>
+                <a:latin typeface="Consolas" panose="020B0609020204030204" pitchFamily="49" charset="0"/>
+              </a:rPr>
+              <a:t>) {</a:t>
+            </a:r>
+          </a:p>
+          <a:p>
+            <a:r>
+              <a:rPr lang="en-US" b="0" dirty="0">
+                <a:solidFill>
+                  <a:srgbClr val="333333"/>
+                </a:solidFill>
+                <a:effectLst/>
+                <a:latin typeface="Consolas" panose="020B0609020204030204" pitchFamily="49" charset="0"/>
+              </a:rPr>
+              <a:t>   </a:t>
+            </a:r>
+            <a:r>
+              <a:rPr lang="en-US" b="0" dirty="0">
+                <a:solidFill>
+                  <a:srgbClr val="859900"/>
+                </a:solidFill>
+                <a:effectLst/>
+                <a:latin typeface="Consolas" panose="020B0609020204030204" pitchFamily="49" charset="0"/>
+              </a:rPr>
+              <a:t>return</a:t>
+            </a:r>
+            <a:r>
+              <a:rPr lang="en-US" b="0" dirty="0">
+                <a:solidFill>
+                  <a:srgbClr val="333333"/>
+                </a:solidFill>
+                <a:effectLst/>
+                <a:latin typeface="Consolas" panose="020B0609020204030204" pitchFamily="49" charset="0"/>
+              </a:rPr>
+              <a:t> </a:t>
+            </a:r>
+            <a:r>
+              <a:rPr lang="en-US" b="0" dirty="0" err="1">
+                <a:solidFill>
+                  <a:srgbClr val="268BD2"/>
+                </a:solidFill>
+                <a:effectLst/>
+                <a:latin typeface="Consolas" panose="020B0609020204030204" pitchFamily="49" charset="0"/>
+              </a:rPr>
+              <a:t>String</a:t>
+            </a:r>
+            <a:r>
+              <a:rPr lang="en-US" b="0" dirty="0" err="1">
+                <a:solidFill>
+                  <a:srgbClr val="333333"/>
+                </a:solidFill>
+                <a:effectLst/>
+                <a:latin typeface="Consolas" panose="020B0609020204030204" pitchFamily="49" charset="0"/>
+              </a:rPr>
+              <a:t>.</a:t>
+            </a:r>
+            <a:r>
+              <a:rPr lang="en-US" b="0" dirty="0" err="1">
+                <a:solidFill>
+                  <a:srgbClr val="268BD2"/>
+                </a:solidFill>
+                <a:effectLst/>
+                <a:latin typeface="Consolas" panose="020B0609020204030204" pitchFamily="49" charset="0"/>
+              </a:rPr>
+              <a:t>format</a:t>
+            </a:r>
+            <a:r>
+              <a:rPr lang="en-US" b="0" dirty="0">
+                <a:solidFill>
+                  <a:srgbClr val="333333"/>
+                </a:solidFill>
+                <a:effectLst/>
+                <a:latin typeface="Consolas" panose="020B0609020204030204" pitchFamily="49" charset="0"/>
+              </a:rPr>
+              <a:t>(</a:t>
+            </a:r>
+            <a:r>
+              <a:rPr lang="en-US" b="0" dirty="0">
+                <a:solidFill>
+                  <a:srgbClr val="2AA198"/>
+                </a:solidFill>
+                <a:effectLst/>
+                <a:latin typeface="Consolas" panose="020B0609020204030204" pitchFamily="49" charset="0"/>
+              </a:rPr>
+              <a:t>"%.2f%%"</a:t>
+            </a:r>
+            <a:r>
+              <a:rPr lang="en-US" b="0" dirty="0">
+                <a:solidFill>
+                  <a:srgbClr val="333333"/>
+                </a:solidFill>
+                <a:effectLst/>
+                <a:latin typeface="Consolas" panose="020B0609020204030204" pitchFamily="49" charset="0"/>
+              </a:rPr>
+              <a:t>, </a:t>
+            </a:r>
+            <a:r>
+              <a:rPr lang="en-US" b="0" dirty="0" err="1">
+                <a:solidFill>
+                  <a:srgbClr val="333333"/>
+                </a:solidFill>
+                <a:effectLst/>
+                <a:latin typeface="Consolas" panose="020B0609020204030204" pitchFamily="49" charset="0"/>
+              </a:rPr>
+              <a:t>val</a:t>
+            </a:r>
+            <a:r>
+              <a:rPr lang="en-US" b="0" dirty="0">
+                <a:solidFill>
+                  <a:srgbClr val="333333"/>
+                </a:solidFill>
+                <a:effectLst/>
+                <a:latin typeface="Consolas" panose="020B0609020204030204" pitchFamily="49" charset="0"/>
+              </a:rPr>
+              <a:t>);</a:t>
+            </a:r>
+          </a:p>
+          <a:p>
+            <a:r>
+              <a:rPr lang="en-US" b="0" dirty="0">
+                <a:solidFill>
+                  <a:srgbClr val="333333"/>
+                </a:solidFill>
+                <a:effectLst/>
+                <a:latin typeface="Consolas" panose="020B0609020204030204" pitchFamily="49" charset="0"/>
+              </a:rPr>
+              <a:t>}</a:t>
+            </a:r>
+          </a:p>
+        </p:txBody>
+      </p:sp>
     </p:spTree>
+    <p:custDataLst>
+      <p:tags r:id="rId1"/>
+    </p:custDataLst>
     <p:extLst>
       <p:ext uri="{BB962C8B-B14F-4D97-AF65-F5344CB8AC3E}">
         <p14:creationId xmlns:p14="http://schemas.microsoft.com/office/powerpoint/2010/main" val="2626839548"/>
@@ -9828,14 +11288,14 @@
   <p:clrMapOvr>
     <a:masterClrMapping/>
   </p:clrMapOvr>
-  <mc:AlternateContent xmlns:mc="http://schemas.openxmlformats.org/markup-compatibility/2006" xmlns:p14="http://schemas.microsoft.com/office/powerpoint/2010/main">
-    <mc:Choice Requires="p14">
-      <p:transition p14:dur="300">
+  <mc:AlternateContent xmlns:mc="http://schemas.openxmlformats.org/markup-compatibility/2006">
+    <mc:Choice xmlns:p14="http://schemas.microsoft.com/office/powerpoint/2010/main" Requires="p14">
+      <p:transition p14:dur="300" advTm="56550">
         <p:fade/>
       </p:transition>
     </mc:Choice>
-    <mc:Fallback xmlns="">
-      <p:transition>
+    <mc:Fallback>
+      <p:transition advTm="56550">
         <p:fade/>
       </p:transition>
     </mc:Fallback>
@@ -10289,19 +11749,37 @@
   <p:clrMapOvr>
     <a:masterClrMapping/>
   </p:clrMapOvr>
-  <mc:AlternateContent xmlns:mc="http://schemas.openxmlformats.org/markup-compatibility/2006" xmlns:p14="http://schemas.microsoft.com/office/powerpoint/2010/main">
-    <mc:Choice Requires="p14">
-      <p:transition p14:dur="300">
+  <mc:AlternateContent xmlns:mc="http://schemas.openxmlformats.org/markup-compatibility/2006">
+    <mc:Choice xmlns:p14="http://schemas.microsoft.com/office/powerpoint/2010/main" Requires="p14">
+      <p:transition p14:dur="300" advTm="45349">
         <p:fade/>
       </p:transition>
     </mc:Choice>
-    <mc:Fallback xmlns="">
-      <p:transition>
+    <mc:Fallback>
+      <p:transition advTm="45349">
         <p:fade/>
       </p:transition>
     </mc:Fallback>
   </mc:AlternateContent>
 </p:sld>
+</file>
+
+<file path=ppt/tags/tag1.xml><?xml version="1.0" encoding="utf-8"?>
+<p:tagLst xmlns:a="http://schemas.openxmlformats.org/drawingml/2006/main" xmlns:r="http://schemas.openxmlformats.org/officeDocument/2006/relationships" xmlns:p="http://schemas.openxmlformats.org/presentationml/2006/main">
+  <p:tag name="TIMING" val="|26.1|7|4.9|12.1|11|15.8|22.2"/>
+</p:tagLst>
+</file>
+
+<file path=ppt/tags/tag2.xml><?xml version="1.0" encoding="utf-8"?>
+<p:tagLst xmlns:a="http://schemas.openxmlformats.org/drawingml/2006/main" xmlns:r="http://schemas.openxmlformats.org/officeDocument/2006/relationships" xmlns:p="http://schemas.openxmlformats.org/presentationml/2006/main">
+  <p:tag name="TIMING" val="|22.9|9.2|9.5|2.3|1.2|4.3"/>
+</p:tagLst>
+</file>
+
+<file path=ppt/tags/tag3.xml><?xml version="1.0" encoding="utf-8"?>
+<p:tagLst xmlns:a="http://schemas.openxmlformats.org/drawingml/2006/main" xmlns:r="http://schemas.openxmlformats.org/officeDocument/2006/relationships" xmlns:p="http://schemas.openxmlformats.org/presentationml/2006/main">
+  <p:tag name="TIMING" val="|10.8|25"/>
+</p:tagLst>
 </file>
 
 <file path=ppt/theme/theme1.xml><?xml version="1.0" encoding="utf-8"?>
